--- a/SQL/개념모델링_예시.pptx
+++ b/SQL/개념모델링_예시.pptx
@@ -6,6 +6,7 @@
   </p:sldMasterIdLst>
   <p:sldIdLst>
     <p:sldId id="256" r:id="rId2"/>
+    <p:sldId id="257" r:id="rId3"/>
   </p:sldIdLst>
   <p:sldSz cx="9144000" cy="6858000" type="screen4x3"/>
   <p:notesSz cx="6858000" cy="9144000"/>
@@ -5261,6 +5262,2638 @@
     <p:extLst>
       <p:ext uri="{BB962C8B-B14F-4D97-AF65-F5344CB8AC3E}">
         <p14:creationId xmlns:p14="http://schemas.microsoft.com/office/powerpoint/2010/main" val="3490328754"/>
+      </p:ext>
+    </p:extLst>
+  </p:cSld>
+  <p:clrMapOvr>
+    <a:masterClrMapping/>
+  </p:clrMapOvr>
+</p:sld>
+</file>
+
+<file path=ppt/slides/slide2.xml><?xml version="1.0" encoding="utf-8"?>
+<p:sld xmlns:a="http://schemas.openxmlformats.org/drawingml/2006/main" xmlns:r="http://schemas.openxmlformats.org/officeDocument/2006/relationships" xmlns:p="http://schemas.openxmlformats.org/presentationml/2006/main">
+  <p:cSld>
+    <p:spTree>
+      <p:nvGrpSpPr>
+        <p:cNvPr id="1" name=""/>
+        <p:cNvGrpSpPr/>
+        <p:nvPr/>
+      </p:nvGrpSpPr>
+      <p:grpSpPr>
+        <a:xfrm>
+          <a:off x="0" y="0"/>
+          <a:ext cx="0" cy="0"/>
+          <a:chOff x="0" y="0"/>
+          <a:chExt cx="0" cy="0"/>
+        </a:xfrm>
+      </p:grpSpPr>
+      <p:sp>
+        <p:nvSpPr>
+          <p:cNvPr id="4" name="Rectangle 3"/>
+          <p:cNvSpPr/>
+          <p:nvPr/>
+        </p:nvSpPr>
+        <p:spPr>
+          <a:xfrm>
+            <a:off x="1559491" y="4293096"/>
+            <a:ext cx="1080120" cy="576064"/>
+          </a:xfrm>
+          <a:prstGeom prst="rect">
+            <a:avLst/>
+          </a:prstGeom>
+          <a:solidFill>
+            <a:schemeClr val="tx1"/>
+          </a:solidFill>
+          <a:ln>
+            <a:noFill/>
+          </a:ln>
+        </p:spPr>
+        <p:style>
+          <a:lnRef idx="2">
+            <a:schemeClr val="accent1">
+              <a:shade val="50000"/>
+            </a:schemeClr>
+          </a:lnRef>
+          <a:fillRef idx="1">
+            <a:schemeClr val="accent1"/>
+          </a:fillRef>
+          <a:effectRef idx="0">
+            <a:schemeClr val="accent1"/>
+          </a:effectRef>
+          <a:fontRef idx="minor">
+            <a:schemeClr val="lt1"/>
+          </a:fontRef>
+        </p:style>
+        <p:txBody>
+          <a:bodyPr rtlCol="0" anchor="ctr"/>
+          <a:lstStyle/>
+          <a:p>
+            <a:pPr algn="ctr"/>
+            <a:r>
+              <a:rPr lang="ko-KR" altLang="en-US" dirty="0" smtClean="0"/>
+              <a:t>영</a:t>
+            </a:r>
+            <a:r>
+              <a:rPr lang="ko-KR" altLang="en-US" dirty="0"/>
+              <a:t>화</a:t>
+            </a:r>
+          </a:p>
+        </p:txBody>
+      </p:sp>
+      <p:sp>
+        <p:nvSpPr>
+          <p:cNvPr id="5" name="Rectangle 4"/>
+          <p:cNvSpPr/>
+          <p:nvPr/>
+        </p:nvSpPr>
+        <p:spPr>
+          <a:xfrm>
+            <a:off x="6267151" y="4293096"/>
+            <a:ext cx="1080120" cy="576064"/>
+          </a:xfrm>
+          <a:prstGeom prst="rect">
+            <a:avLst/>
+          </a:prstGeom>
+          <a:solidFill>
+            <a:schemeClr val="tx1"/>
+          </a:solidFill>
+          <a:ln>
+            <a:noFill/>
+          </a:ln>
+        </p:spPr>
+        <p:style>
+          <a:lnRef idx="2">
+            <a:schemeClr val="accent1">
+              <a:shade val="50000"/>
+            </a:schemeClr>
+          </a:lnRef>
+          <a:fillRef idx="1">
+            <a:schemeClr val="accent1"/>
+          </a:fillRef>
+          <a:effectRef idx="0">
+            <a:schemeClr val="accent1"/>
+          </a:effectRef>
+          <a:fontRef idx="minor">
+            <a:schemeClr val="lt1"/>
+          </a:fontRef>
+        </p:style>
+        <p:txBody>
+          <a:bodyPr rtlCol="0" anchor="ctr"/>
+          <a:lstStyle/>
+          <a:p>
+            <a:pPr algn="ctr"/>
+            <a:r>
+              <a:rPr lang="ko-KR" altLang="en-US" dirty="0" smtClean="0"/>
+              <a:t>감</a:t>
+            </a:r>
+            <a:r>
+              <a:rPr lang="ko-KR" altLang="en-US" dirty="0"/>
+              <a:t>독</a:t>
+            </a:r>
+          </a:p>
+        </p:txBody>
+      </p:sp>
+      <p:sp>
+        <p:nvSpPr>
+          <p:cNvPr id="6" name="Rectangle 5"/>
+          <p:cNvSpPr/>
+          <p:nvPr/>
+        </p:nvSpPr>
+        <p:spPr>
+          <a:xfrm>
+            <a:off x="6267151" y="1362709"/>
+            <a:ext cx="1080120" cy="576064"/>
+          </a:xfrm>
+          <a:prstGeom prst="rect">
+            <a:avLst/>
+          </a:prstGeom>
+          <a:solidFill>
+            <a:schemeClr val="tx1"/>
+          </a:solidFill>
+          <a:ln>
+            <a:noFill/>
+          </a:ln>
+        </p:spPr>
+        <p:style>
+          <a:lnRef idx="2">
+            <a:schemeClr val="accent1">
+              <a:shade val="50000"/>
+            </a:schemeClr>
+          </a:lnRef>
+          <a:fillRef idx="1">
+            <a:schemeClr val="accent1"/>
+          </a:fillRef>
+          <a:effectRef idx="0">
+            <a:schemeClr val="accent1"/>
+          </a:effectRef>
+          <a:fontRef idx="minor">
+            <a:schemeClr val="lt1"/>
+          </a:fontRef>
+        </p:style>
+        <p:txBody>
+          <a:bodyPr rtlCol="0" anchor="ctr"/>
+          <a:lstStyle/>
+          <a:p>
+            <a:pPr algn="ctr"/>
+            <a:r>
+              <a:rPr lang="ko-KR" altLang="en-US" dirty="0" smtClean="0"/>
+              <a:t>고</a:t>
+            </a:r>
+            <a:r>
+              <a:rPr lang="ko-KR" altLang="en-US" dirty="0"/>
+              <a:t>객</a:t>
+            </a:r>
+          </a:p>
+        </p:txBody>
+      </p:sp>
+      <p:sp>
+        <p:nvSpPr>
+          <p:cNvPr id="7" name="Oval 6"/>
+          <p:cNvSpPr/>
+          <p:nvPr/>
+        </p:nvSpPr>
+        <p:spPr>
+          <a:xfrm>
+            <a:off x="1164444" y="5279267"/>
+            <a:ext cx="792088" cy="720080"/>
+          </a:xfrm>
+          <a:prstGeom prst="ellipse">
+            <a:avLst/>
+          </a:prstGeom>
+          <a:solidFill>
+            <a:schemeClr val="tx1">
+              <a:alpha val="0"/>
+            </a:schemeClr>
+          </a:solidFill>
+          <a:ln>
+            <a:solidFill>
+              <a:schemeClr val="tx1"/>
+            </a:solidFill>
+          </a:ln>
+        </p:spPr>
+        <p:style>
+          <a:lnRef idx="2">
+            <a:schemeClr val="accent1">
+              <a:shade val="50000"/>
+            </a:schemeClr>
+          </a:lnRef>
+          <a:fillRef idx="1">
+            <a:schemeClr val="accent1"/>
+          </a:fillRef>
+          <a:effectRef idx="0">
+            <a:schemeClr val="accent1"/>
+          </a:effectRef>
+          <a:fontRef idx="minor">
+            <a:schemeClr val="lt1"/>
+          </a:fontRef>
+        </p:style>
+        <p:txBody>
+          <a:bodyPr rot="0" spcFirstLastPara="0" vertOverflow="overflow" horzOverflow="overflow" vert="horz" wrap="square" lIns="91440" tIns="45720" rIns="91440" bIns="45720" numCol="1" spcCol="0" rtlCol="0" fromWordArt="0" anchor="ctr" anchorCtr="0" forceAA="0" compatLnSpc="1">
+            <a:prstTxWarp prst="textNoShape">
+              <a:avLst/>
+            </a:prstTxWarp>
+            <a:noAutofit/>
+          </a:bodyPr>
+          <a:lstStyle/>
+          <a:p>
+            <a:pPr algn="ctr"/>
+            <a:r>
+              <a:rPr lang="ko-KR" altLang="en-US" sz="1200" u="sng" dirty="0" smtClean="0">
+                <a:solidFill>
+                  <a:schemeClr val="tx1"/>
+                </a:solidFill>
+              </a:rPr>
+              <a:t>제목</a:t>
+            </a:r>
+            <a:endParaRPr lang="ko-KR" altLang="en-US" sz="1200" u="sng" dirty="0">
+              <a:solidFill>
+                <a:schemeClr val="tx1"/>
+              </a:solidFill>
+            </a:endParaRPr>
+          </a:p>
+        </p:txBody>
+      </p:sp>
+      <p:sp>
+        <p:nvSpPr>
+          <p:cNvPr id="8" name="Oval 7"/>
+          <p:cNvSpPr/>
+          <p:nvPr/>
+        </p:nvSpPr>
+        <p:spPr>
+          <a:xfrm>
+            <a:off x="2305218" y="5279267"/>
+            <a:ext cx="970637" cy="720080"/>
+          </a:xfrm>
+          <a:prstGeom prst="ellipse">
+            <a:avLst/>
+          </a:prstGeom>
+          <a:solidFill>
+            <a:schemeClr val="tx1">
+              <a:alpha val="0"/>
+            </a:schemeClr>
+          </a:solidFill>
+          <a:ln>
+            <a:solidFill>
+              <a:schemeClr val="tx1"/>
+            </a:solidFill>
+          </a:ln>
+        </p:spPr>
+        <p:style>
+          <a:lnRef idx="2">
+            <a:schemeClr val="accent1">
+              <a:shade val="50000"/>
+            </a:schemeClr>
+          </a:lnRef>
+          <a:fillRef idx="1">
+            <a:schemeClr val="accent1"/>
+          </a:fillRef>
+          <a:effectRef idx="0">
+            <a:schemeClr val="accent1"/>
+          </a:effectRef>
+          <a:fontRef idx="minor">
+            <a:schemeClr val="lt1"/>
+          </a:fontRef>
+        </p:style>
+        <p:txBody>
+          <a:bodyPr rot="0" spcFirstLastPara="0" vertOverflow="overflow" horzOverflow="overflow" vert="horz" wrap="square" lIns="91440" tIns="45720" rIns="91440" bIns="45720" numCol="1" spcCol="0" rtlCol="0" fromWordArt="0" anchor="ctr" anchorCtr="0" forceAA="0" compatLnSpc="1">
+            <a:prstTxWarp prst="textNoShape">
+              <a:avLst/>
+            </a:prstTxWarp>
+            <a:noAutofit/>
+          </a:bodyPr>
+          <a:lstStyle/>
+          <a:p>
+            <a:pPr algn="ctr"/>
+            <a:r>
+              <a:rPr lang="ko-KR" altLang="en-US" sz="1200" smtClean="0">
+                <a:solidFill>
+                  <a:schemeClr val="tx1"/>
+                </a:solidFill>
+              </a:rPr>
+              <a:t>줄거리</a:t>
+            </a:r>
+            <a:endParaRPr lang="ko-KR" altLang="en-US" sz="1200">
+              <a:solidFill>
+                <a:schemeClr val="tx1"/>
+              </a:solidFill>
+            </a:endParaRPr>
+          </a:p>
+        </p:txBody>
+      </p:sp>
+      <p:sp>
+        <p:nvSpPr>
+          <p:cNvPr id="9" name="Oval 8"/>
+          <p:cNvSpPr/>
+          <p:nvPr/>
+        </p:nvSpPr>
+        <p:spPr>
+          <a:xfrm>
+            <a:off x="5558172" y="5832152"/>
+            <a:ext cx="792088" cy="720080"/>
+          </a:xfrm>
+          <a:prstGeom prst="ellipse">
+            <a:avLst/>
+          </a:prstGeom>
+          <a:solidFill>
+            <a:schemeClr val="tx1">
+              <a:alpha val="0"/>
+            </a:schemeClr>
+          </a:solidFill>
+          <a:ln>
+            <a:solidFill>
+              <a:schemeClr val="tx1"/>
+            </a:solidFill>
+          </a:ln>
+        </p:spPr>
+        <p:style>
+          <a:lnRef idx="2">
+            <a:schemeClr val="accent1">
+              <a:shade val="50000"/>
+            </a:schemeClr>
+          </a:lnRef>
+          <a:fillRef idx="1">
+            <a:schemeClr val="accent1"/>
+          </a:fillRef>
+          <a:effectRef idx="0">
+            <a:schemeClr val="accent1"/>
+          </a:effectRef>
+          <a:fontRef idx="minor">
+            <a:schemeClr val="lt1"/>
+          </a:fontRef>
+        </p:style>
+        <p:txBody>
+          <a:bodyPr rot="0" spcFirstLastPara="0" vertOverflow="overflow" horzOverflow="overflow" vert="horz" wrap="square" lIns="91440" tIns="45720" rIns="91440" bIns="45720" numCol="1" spcCol="0" rtlCol="0" fromWordArt="0" anchor="ctr" anchorCtr="0" forceAA="0" compatLnSpc="1">
+            <a:prstTxWarp prst="textNoShape">
+              <a:avLst/>
+            </a:prstTxWarp>
+            <a:noAutofit/>
+          </a:bodyPr>
+          <a:lstStyle/>
+          <a:p>
+            <a:pPr algn="ctr"/>
+            <a:r>
+              <a:rPr lang="ko-KR" altLang="en-US" sz="1200" u="sng" dirty="0" smtClean="0">
+                <a:solidFill>
+                  <a:schemeClr val="tx1"/>
+                </a:solidFill>
+              </a:rPr>
+              <a:t>이름</a:t>
+            </a:r>
+            <a:endParaRPr lang="ko-KR" altLang="en-US" sz="1200" u="sng" dirty="0">
+              <a:solidFill>
+                <a:schemeClr val="tx1"/>
+              </a:solidFill>
+            </a:endParaRPr>
+          </a:p>
+        </p:txBody>
+      </p:sp>
+      <p:sp>
+        <p:nvSpPr>
+          <p:cNvPr id="10" name="Oval 9"/>
+          <p:cNvSpPr/>
+          <p:nvPr/>
+        </p:nvSpPr>
+        <p:spPr>
+          <a:xfrm>
+            <a:off x="6428183" y="5841030"/>
+            <a:ext cx="792088" cy="720080"/>
+          </a:xfrm>
+          <a:prstGeom prst="ellipse">
+            <a:avLst/>
+          </a:prstGeom>
+          <a:solidFill>
+            <a:schemeClr val="tx1">
+              <a:alpha val="0"/>
+            </a:schemeClr>
+          </a:solidFill>
+          <a:ln>
+            <a:solidFill>
+              <a:schemeClr val="tx1"/>
+            </a:solidFill>
+          </a:ln>
+        </p:spPr>
+        <p:style>
+          <a:lnRef idx="2">
+            <a:schemeClr val="accent1">
+              <a:shade val="50000"/>
+            </a:schemeClr>
+          </a:lnRef>
+          <a:fillRef idx="1">
+            <a:schemeClr val="accent1"/>
+          </a:fillRef>
+          <a:effectRef idx="0">
+            <a:schemeClr val="accent1"/>
+          </a:effectRef>
+          <a:fontRef idx="minor">
+            <a:schemeClr val="lt1"/>
+          </a:fontRef>
+        </p:style>
+        <p:txBody>
+          <a:bodyPr rot="0" spcFirstLastPara="0" vertOverflow="overflow" horzOverflow="overflow" vert="horz" wrap="square" lIns="91440" tIns="45720" rIns="91440" bIns="45720" numCol="1" spcCol="0" rtlCol="0" fromWordArt="0" anchor="ctr" anchorCtr="0" forceAA="0" compatLnSpc="1">
+            <a:prstTxWarp prst="textNoShape">
+              <a:avLst/>
+            </a:prstTxWarp>
+            <a:noAutofit/>
+          </a:bodyPr>
+          <a:lstStyle/>
+          <a:p>
+            <a:pPr algn="ctr"/>
+            <a:r>
+              <a:rPr lang="ko-KR" altLang="en-US" sz="1200" dirty="0" smtClean="0">
+                <a:solidFill>
+                  <a:schemeClr val="tx1"/>
+                </a:solidFill>
+              </a:rPr>
+              <a:t>작</a:t>
+            </a:r>
+            <a:r>
+              <a:rPr lang="ko-KR" altLang="en-US" sz="1200" dirty="0">
+                <a:solidFill>
+                  <a:schemeClr val="tx1"/>
+                </a:solidFill>
+              </a:rPr>
+              <a:t>품</a:t>
+            </a:r>
+          </a:p>
+        </p:txBody>
+      </p:sp>
+      <p:sp>
+        <p:nvSpPr>
+          <p:cNvPr id="11" name="Oval 10"/>
+          <p:cNvSpPr/>
+          <p:nvPr/>
+        </p:nvSpPr>
+        <p:spPr>
+          <a:xfrm>
+            <a:off x="7347271" y="5805264"/>
+            <a:ext cx="792088" cy="720080"/>
+          </a:xfrm>
+          <a:prstGeom prst="ellipse">
+            <a:avLst/>
+          </a:prstGeom>
+          <a:solidFill>
+            <a:schemeClr val="tx1">
+              <a:alpha val="0"/>
+            </a:schemeClr>
+          </a:solidFill>
+          <a:ln>
+            <a:solidFill>
+              <a:schemeClr val="tx1"/>
+            </a:solidFill>
+          </a:ln>
+        </p:spPr>
+        <p:style>
+          <a:lnRef idx="2">
+            <a:schemeClr val="accent1">
+              <a:shade val="50000"/>
+            </a:schemeClr>
+          </a:lnRef>
+          <a:fillRef idx="1">
+            <a:schemeClr val="accent1"/>
+          </a:fillRef>
+          <a:effectRef idx="0">
+            <a:schemeClr val="accent1"/>
+          </a:effectRef>
+          <a:fontRef idx="minor">
+            <a:schemeClr val="lt1"/>
+          </a:fontRef>
+        </p:style>
+        <p:txBody>
+          <a:bodyPr rot="0" spcFirstLastPara="0" vertOverflow="overflow" horzOverflow="overflow" vert="horz" wrap="square" lIns="91440" tIns="45720" rIns="91440" bIns="45720" numCol="1" spcCol="0" rtlCol="0" fromWordArt="0" anchor="ctr" anchorCtr="0" forceAA="0" compatLnSpc="1">
+            <a:prstTxWarp prst="textNoShape">
+              <a:avLst/>
+            </a:prstTxWarp>
+            <a:noAutofit/>
+          </a:bodyPr>
+          <a:lstStyle/>
+          <a:p>
+            <a:pPr algn="ctr"/>
+            <a:r>
+              <a:rPr lang="ko-KR" altLang="en-US" sz="1200" dirty="0" smtClean="0">
+                <a:solidFill>
+                  <a:schemeClr val="tx1"/>
+                </a:solidFill>
+              </a:rPr>
+              <a:t>수</a:t>
+            </a:r>
+            <a:r>
+              <a:rPr lang="ko-KR" altLang="en-US" sz="1200" dirty="0">
+                <a:solidFill>
+                  <a:schemeClr val="tx1"/>
+                </a:solidFill>
+              </a:rPr>
+              <a:t>상</a:t>
+            </a:r>
+          </a:p>
+        </p:txBody>
+      </p:sp>
+      <p:sp>
+        <p:nvSpPr>
+          <p:cNvPr id="12" name="Oval 11"/>
+          <p:cNvSpPr/>
+          <p:nvPr/>
+        </p:nvSpPr>
+        <p:spPr>
+          <a:xfrm>
+            <a:off x="5864205" y="2287967"/>
+            <a:ext cx="792088" cy="720080"/>
+          </a:xfrm>
+          <a:prstGeom prst="ellipse">
+            <a:avLst/>
+          </a:prstGeom>
+          <a:solidFill>
+            <a:schemeClr val="tx1">
+              <a:alpha val="0"/>
+            </a:schemeClr>
+          </a:solidFill>
+          <a:ln>
+            <a:solidFill>
+              <a:schemeClr val="tx1"/>
+            </a:solidFill>
+          </a:ln>
+        </p:spPr>
+        <p:style>
+          <a:lnRef idx="2">
+            <a:schemeClr val="accent1">
+              <a:shade val="50000"/>
+            </a:schemeClr>
+          </a:lnRef>
+          <a:fillRef idx="1">
+            <a:schemeClr val="accent1"/>
+          </a:fillRef>
+          <a:effectRef idx="0">
+            <a:schemeClr val="accent1"/>
+          </a:effectRef>
+          <a:fontRef idx="minor">
+            <a:schemeClr val="lt1"/>
+          </a:fontRef>
+        </p:style>
+        <p:txBody>
+          <a:bodyPr rot="0" spcFirstLastPara="0" vertOverflow="overflow" horzOverflow="overflow" vert="horz" wrap="square" lIns="91440" tIns="45720" rIns="91440" bIns="45720" numCol="1" spcCol="0" rtlCol="0" fromWordArt="0" anchor="ctr" anchorCtr="0" forceAA="0" compatLnSpc="1">
+            <a:prstTxWarp prst="textNoShape">
+              <a:avLst/>
+            </a:prstTxWarp>
+            <a:noAutofit/>
+          </a:bodyPr>
+          <a:lstStyle/>
+          <a:p>
+            <a:pPr algn="ctr"/>
+            <a:r>
+              <a:rPr lang="ko-KR" altLang="en-US" sz="900" u="sng" dirty="0" smtClean="0">
+                <a:solidFill>
+                  <a:schemeClr val="tx1"/>
+                </a:solidFill>
+              </a:rPr>
+              <a:t>아이</a:t>
+            </a:r>
+            <a:r>
+              <a:rPr lang="ko-KR" altLang="en-US" sz="900" u="sng" dirty="0">
+                <a:solidFill>
+                  <a:schemeClr val="tx1"/>
+                </a:solidFill>
+              </a:rPr>
+              <a:t>디</a:t>
+            </a:r>
+            <a:endParaRPr lang="ko-KR" altLang="en-US" sz="900" u="sng" dirty="0">
+              <a:solidFill>
+                <a:schemeClr val="tx1"/>
+              </a:solidFill>
+            </a:endParaRPr>
+          </a:p>
+        </p:txBody>
+      </p:sp>
+      <p:sp>
+        <p:nvSpPr>
+          <p:cNvPr id="13" name="Oval 12"/>
+          <p:cNvSpPr/>
+          <p:nvPr/>
+        </p:nvSpPr>
+        <p:spPr>
+          <a:xfrm>
+            <a:off x="6948264" y="2281548"/>
+            <a:ext cx="864096" cy="720080"/>
+          </a:xfrm>
+          <a:prstGeom prst="ellipse">
+            <a:avLst/>
+          </a:prstGeom>
+          <a:solidFill>
+            <a:schemeClr val="tx1">
+              <a:alpha val="0"/>
+            </a:schemeClr>
+          </a:solidFill>
+          <a:ln>
+            <a:solidFill>
+              <a:schemeClr val="tx1"/>
+            </a:solidFill>
+          </a:ln>
+        </p:spPr>
+        <p:style>
+          <a:lnRef idx="2">
+            <a:schemeClr val="accent1">
+              <a:shade val="50000"/>
+            </a:schemeClr>
+          </a:lnRef>
+          <a:fillRef idx="1">
+            <a:schemeClr val="accent1"/>
+          </a:fillRef>
+          <a:effectRef idx="0">
+            <a:schemeClr val="accent1"/>
+          </a:effectRef>
+          <a:fontRef idx="minor">
+            <a:schemeClr val="lt1"/>
+          </a:fontRef>
+        </p:style>
+        <p:txBody>
+          <a:bodyPr rot="0" spcFirstLastPara="0" vertOverflow="overflow" horzOverflow="overflow" vert="horz" wrap="square" lIns="91440" tIns="45720" rIns="91440" bIns="45720" numCol="1" spcCol="0" rtlCol="0" fromWordArt="0" anchor="ctr" anchorCtr="0" forceAA="0" compatLnSpc="1">
+            <a:prstTxWarp prst="textNoShape">
+              <a:avLst/>
+            </a:prstTxWarp>
+            <a:noAutofit/>
+          </a:bodyPr>
+          <a:lstStyle/>
+          <a:p>
+            <a:pPr algn="ctr"/>
+            <a:r>
+              <a:rPr lang="ko-KR" altLang="en-US" sz="1200" dirty="0" smtClean="0">
+                <a:solidFill>
+                  <a:schemeClr val="tx1"/>
+                </a:solidFill>
+              </a:rPr>
+              <a:t>닉네임</a:t>
+            </a:r>
+            <a:endParaRPr lang="ko-KR" altLang="en-US" sz="1200" dirty="0">
+              <a:solidFill>
+                <a:schemeClr val="tx1"/>
+              </a:solidFill>
+            </a:endParaRPr>
+          </a:p>
+        </p:txBody>
+      </p:sp>
+      <p:cxnSp>
+        <p:nvCxnSpPr>
+          <p:cNvPr id="14" name="Straight Connector 13"/>
+          <p:cNvCxnSpPr>
+            <a:stCxn id="4" idx="2"/>
+            <a:endCxn id="7" idx="0"/>
+          </p:cNvCxnSpPr>
+          <p:nvPr/>
+        </p:nvCxnSpPr>
+        <p:spPr>
+          <a:xfrm flipH="1">
+            <a:off x="1560488" y="4869160"/>
+            <a:ext cx="539063" cy="410107"/>
+          </a:xfrm>
+          <a:prstGeom prst="line">
+            <a:avLst/>
+          </a:prstGeom>
+          <a:ln>
+            <a:solidFill>
+              <a:schemeClr val="tx1">
+                <a:lumMod val="95000"/>
+                <a:lumOff val="5000"/>
+              </a:schemeClr>
+            </a:solidFill>
+          </a:ln>
+        </p:spPr>
+        <p:style>
+          <a:lnRef idx="1">
+            <a:schemeClr val="accent1"/>
+          </a:lnRef>
+          <a:fillRef idx="0">
+            <a:schemeClr val="accent1"/>
+          </a:fillRef>
+          <a:effectRef idx="0">
+            <a:schemeClr val="accent1"/>
+          </a:effectRef>
+          <a:fontRef idx="minor">
+            <a:schemeClr val="tx1"/>
+          </a:fontRef>
+        </p:style>
+      </p:cxnSp>
+      <p:cxnSp>
+        <p:nvCxnSpPr>
+          <p:cNvPr id="15" name="Straight Connector 14"/>
+          <p:cNvCxnSpPr>
+            <a:stCxn id="4" idx="2"/>
+            <a:endCxn id="8" idx="0"/>
+          </p:cNvCxnSpPr>
+          <p:nvPr/>
+        </p:nvCxnSpPr>
+        <p:spPr>
+          <a:xfrm>
+            <a:off x="2099551" y="4869160"/>
+            <a:ext cx="690986" cy="410107"/>
+          </a:xfrm>
+          <a:prstGeom prst="line">
+            <a:avLst/>
+          </a:prstGeom>
+          <a:ln>
+            <a:solidFill>
+              <a:schemeClr val="tx1">
+                <a:lumMod val="95000"/>
+                <a:lumOff val="5000"/>
+              </a:schemeClr>
+            </a:solidFill>
+          </a:ln>
+        </p:spPr>
+        <p:style>
+          <a:lnRef idx="1">
+            <a:schemeClr val="accent1"/>
+          </a:lnRef>
+          <a:fillRef idx="0">
+            <a:schemeClr val="accent1"/>
+          </a:fillRef>
+          <a:effectRef idx="0">
+            <a:schemeClr val="accent1"/>
+          </a:effectRef>
+          <a:fontRef idx="minor">
+            <a:schemeClr val="tx1"/>
+          </a:fontRef>
+        </p:style>
+      </p:cxnSp>
+      <p:cxnSp>
+        <p:nvCxnSpPr>
+          <p:cNvPr id="16" name="Straight Connector 15"/>
+          <p:cNvCxnSpPr>
+            <a:stCxn id="5" idx="2"/>
+            <a:endCxn id="11" idx="0"/>
+          </p:cNvCxnSpPr>
+          <p:nvPr/>
+        </p:nvCxnSpPr>
+        <p:spPr>
+          <a:xfrm>
+            <a:off x="6807211" y="4869160"/>
+            <a:ext cx="936104" cy="936104"/>
+          </a:xfrm>
+          <a:prstGeom prst="line">
+            <a:avLst/>
+          </a:prstGeom>
+          <a:ln>
+            <a:solidFill>
+              <a:schemeClr val="tx1">
+                <a:lumMod val="95000"/>
+                <a:lumOff val="5000"/>
+              </a:schemeClr>
+            </a:solidFill>
+          </a:ln>
+        </p:spPr>
+        <p:style>
+          <a:lnRef idx="1">
+            <a:schemeClr val="accent1"/>
+          </a:lnRef>
+          <a:fillRef idx="0">
+            <a:schemeClr val="accent1"/>
+          </a:fillRef>
+          <a:effectRef idx="0">
+            <a:schemeClr val="accent1"/>
+          </a:effectRef>
+          <a:fontRef idx="minor">
+            <a:schemeClr val="tx1"/>
+          </a:fontRef>
+        </p:style>
+      </p:cxnSp>
+      <p:cxnSp>
+        <p:nvCxnSpPr>
+          <p:cNvPr id="17" name="Straight Connector 16"/>
+          <p:cNvCxnSpPr>
+            <a:stCxn id="5" idx="2"/>
+            <a:endCxn id="9" idx="0"/>
+          </p:cNvCxnSpPr>
+          <p:nvPr/>
+        </p:nvCxnSpPr>
+        <p:spPr>
+          <a:xfrm flipH="1">
+            <a:off x="5954216" y="4869160"/>
+            <a:ext cx="852995" cy="962992"/>
+          </a:xfrm>
+          <a:prstGeom prst="line">
+            <a:avLst/>
+          </a:prstGeom>
+          <a:ln>
+            <a:solidFill>
+              <a:schemeClr val="tx1">
+                <a:lumMod val="95000"/>
+                <a:lumOff val="5000"/>
+              </a:schemeClr>
+            </a:solidFill>
+          </a:ln>
+        </p:spPr>
+        <p:style>
+          <a:lnRef idx="1">
+            <a:schemeClr val="accent1"/>
+          </a:lnRef>
+          <a:fillRef idx="0">
+            <a:schemeClr val="accent1"/>
+          </a:fillRef>
+          <a:effectRef idx="0">
+            <a:schemeClr val="accent1"/>
+          </a:effectRef>
+          <a:fontRef idx="minor">
+            <a:schemeClr val="tx1"/>
+          </a:fontRef>
+        </p:style>
+      </p:cxnSp>
+      <p:cxnSp>
+        <p:nvCxnSpPr>
+          <p:cNvPr id="18" name="Straight Connector 17"/>
+          <p:cNvCxnSpPr>
+            <a:stCxn id="5" idx="2"/>
+            <a:endCxn id="10" idx="0"/>
+          </p:cNvCxnSpPr>
+          <p:nvPr/>
+        </p:nvCxnSpPr>
+        <p:spPr>
+          <a:xfrm>
+            <a:off x="6807211" y="4869160"/>
+            <a:ext cx="17016" cy="971870"/>
+          </a:xfrm>
+          <a:prstGeom prst="line">
+            <a:avLst/>
+          </a:prstGeom>
+          <a:ln>
+            <a:solidFill>
+              <a:schemeClr val="tx1">
+                <a:lumMod val="95000"/>
+                <a:lumOff val="5000"/>
+              </a:schemeClr>
+            </a:solidFill>
+          </a:ln>
+        </p:spPr>
+        <p:style>
+          <a:lnRef idx="1">
+            <a:schemeClr val="accent1"/>
+          </a:lnRef>
+          <a:fillRef idx="0">
+            <a:schemeClr val="accent1"/>
+          </a:fillRef>
+          <a:effectRef idx="0">
+            <a:schemeClr val="accent1"/>
+          </a:effectRef>
+          <a:fontRef idx="minor">
+            <a:schemeClr val="tx1"/>
+          </a:fontRef>
+        </p:style>
+      </p:cxnSp>
+      <p:cxnSp>
+        <p:nvCxnSpPr>
+          <p:cNvPr id="19" name="Straight Connector 18"/>
+          <p:cNvCxnSpPr>
+            <a:stCxn id="6" idx="2"/>
+            <a:endCxn id="12" idx="0"/>
+          </p:cNvCxnSpPr>
+          <p:nvPr/>
+        </p:nvCxnSpPr>
+        <p:spPr>
+          <a:xfrm flipH="1">
+            <a:off x="6260249" y="1938773"/>
+            <a:ext cx="546962" cy="349194"/>
+          </a:xfrm>
+          <a:prstGeom prst="line">
+            <a:avLst/>
+          </a:prstGeom>
+          <a:ln>
+            <a:solidFill>
+              <a:schemeClr val="tx1">
+                <a:lumMod val="95000"/>
+                <a:lumOff val="5000"/>
+              </a:schemeClr>
+            </a:solidFill>
+          </a:ln>
+        </p:spPr>
+        <p:style>
+          <a:lnRef idx="1">
+            <a:schemeClr val="accent1"/>
+          </a:lnRef>
+          <a:fillRef idx="0">
+            <a:schemeClr val="accent1"/>
+          </a:fillRef>
+          <a:effectRef idx="0">
+            <a:schemeClr val="accent1"/>
+          </a:effectRef>
+          <a:fontRef idx="minor">
+            <a:schemeClr val="tx1"/>
+          </a:fontRef>
+        </p:style>
+      </p:cxnSp>
+      <p:cxnSp>
+        <p:nvCxnSpPr>
+          <p:cNvPr id="20" name="Straight Connector 19"/>
+          <p:cNvCxnSpPr>
+            <a:stCxn id="6" idx="2"/>
+            <a:endCxn id="13" idx="0"/>
+          </p:cNvCxnSpPr>
+          <p:nvPr/>
+        </p:nvCxnSpPr>
+        <p:spPr>
+          <a:xfrm>
+            <a:off x="6807211" y="1938773"/>
+            <a:ext cx="573101" cy="342775"/>
+          </a:xfrm>
+          <a:prstGeom prst="line">
+            <a:avLst/>
+          </a:prstGeom>
+          <a:ln>
+            <a:solidFill>
+              <a:schemeClr val="tx1">
+                <a:lumMod val="95000"/>
+                <a:lumOff val="5000"/>
+              </a:schemeClr>
+            </a:solidFill>
+          </a:ln>
+        </p:spPr>
+        <p:style>
+          <a:lnRef idx="1">
+            <a:schemeClr val="accent1"/>
+          </a:lnRef>
+          <a:fillRef idx="0">
+            <a:schemeClr val="accent1"/>
+          </a:fillRef>
+          <a:effectRef idx="0">
+            <a:schemeClr val="accent1"/>
+          </a:effectRef>
+          <a:fontRef idx="minor">
+            <a:schemeClr val="tx1"/>
+          </a:fontRef>
+        </p:style>
+      </p:cxnSp>
+      <p:sp>
+        <p:nvSpPr>
+          <p:cNvPr id="21" name="Diamond 20"/>
+          <p:cNvSpPr/>
+          <p:nvPr/>
+        </p:nvSpPr>
+        <p:spPr>
+          <a:xfrm>
+            <a:off x="3851920" y="4149080"/>
+            <a:ext cx="1008112" cy="864096"/>
+          </a:xfrm>
+          <a:prstGeom prst="diamond">
+            <a:avLst/>
+          </a:prstGeom>
+          <a:solidFill>
+            <a:schemeClr val="tx1">
+              <a:alpha val="0"/>
+            </a:schemeClr>
+          </a:solidFill>
+          <a:ln>
+            <a:solidFill>
+              <a:schemeClr val="tx1"/>
+            </a:solidFill>
+          </a:ln>
+        </p:spPr>
+        <p:style>
+          <a:lnRef idx="2">
+            <a:schemeClr val="accent1">
+              <a:shade val="50000"/>
+            </a:schemeClr>
+          </a:lnRef>
+          <a:fillRef idx="1">
+            <a:schemeClr val="accent1"/>
+          </a:fillRef>
+          <a:effectRef idx="0">
+            <a:schemeClr val="accent1"/>
+          </a:effectRef>
+          <a:fontRef idx="minor">
+            <a:schemeClr val="lt1"/>
+          </a:fontRef>
+        </p:style>
+        <p:txBody>
+          <a:bodyPr rot="0" spcFirstLastPara="0" vertOverflow="overflow" horzOverflow="overflow" vert="horz" wrap="square" lIns="91440" tIns="45720" rIns="91440" bIns="45720" numCol="1" spcCol="0" rtlCol="0" fromWordArt="0" anchor="ctr" anchorCtr="0" forceAA="0" compatLnSpc="1">
+            <a:prstTxWarp prst="textNoShape">
+              <a:avLst/>
+            </a:prstTxWarp>
+            <a:noAutofit/>
+          </a:bodyPr>
+          <a:lstStyle/>
+          <a:p>
+            <a:pPr algn="ctr"/>
+            <a:r>
+              <a:rPr lang="ko-KR" altLang="en-US" sz="1200" dirty="0" smtClean="0">
+                <a:solidFill>
+                  <a:schemeClr val="tx1"/>
+                </a:solidFill>
+              </a:rPr>
+              <a:t>제</a:t>
+            </a:r>
+            <a:r>
+              <a:rPr lang="ko-KR" altLang="en-US" sz="1200" dirty="0">
+                <a:solidFill>
+                  <a:schemeClr val="tx1"/>
+                </a:solidFill>
+              </a:rPr>
+              <a:t>작</a:t>
+            </a:r>
+          </a:p>
+        </p:txBody>
+      </p:sp>
+      <p:sp>
+        <p:nvSpPr>
+          <p:cNvPr id="22" name="Diamond 21"/>
+          <p:cNvSpPr/>
+          <p:nvPr/>
+        </p:nvSpPr>
+        <p:spPr>
+          <a:xfrm>
+            <a:off x="2753299" y="1910909"/>
+            <a:ext cx="1008112" cy="864096"/>
+          </a:xfrm>
+          <a:prstGeom prst="diamond">
+            <a:avLst/>
+          </a:prstGeom>
+          <a:solidFill>
+            <a:schemeClr val="tx1">
+              <a:alpha val="0"/>
+            </a:schemeClr>
+          </a:solidFill>
+          <a:ln>
+            <a:solidFill>
+              <a:schemeClr val="tx1"/>
+            </a:solidFill>
+          </a:ln>
+        </p:spPr>
+        <p:style>
+          <a:lnRef idx="2">
+            <a:schemeClr val="accent1">
+              <a:shade val="50000"/>
+            </a:schemeClr>
+          </a:lnRef>
+          <a:fillRef idx="1">
+            <a:schemeClr val="accent1"/>
+          </a:fillRef>
+          <a:effectRef idx="0">
+            <a:schemeClr val="accent1"/>
+          </a:effectRef>
+          <a:fontRef idx="minor">
+            <a:schemeClr val="lt1"/>
+          </a:fontRef>
+        </p:style>
+        <p:txBody>
+          <a:bodyPr rot="0" spcFirstLastPara="0" vertOverflow="overflow" horzOverflow="overflow" vert="horz" wrap="square" lIns="91440" tIns="45720" rIns="91440" bIns="45720" numCol="1" spcCol="0" rtlCol="0" fromWordArt="0" anchor="ctr" anchorCtr="0" forceAA="0" compatLnSpc="1">
+            <a:prstTxWarp prst="textNoShape">
+              <a:avLst/>
+            </a:prstTxWarp>
+            <a:noAutofit/>
+          </a:bodyPr>
+          <a:lstStyle/>
+          <a:p>
+            <a:pPr algn="ctr"/>
+            <a:r>
+              <a:rPr lang="ko-KR" altLang="en-US" sz="1200" dirty="0" smtClean="0">
+                <a:solidFill>
+                  <a:schemeClr val="tx1"/>
+                </a:solidFill>
+              </a:rPr>
+              <a:t>예</a:t>
+            </a:r>
+            <a:r>
+              <a:rPr lang="ko-KR" altLang="en-US" sz="1200" dirty="0">
+                <a:solidFill>
+                  <a:schemeClr val="tx1"/>
+                </a:solidFill>
+              </a:rPr>
+              <a:t>매</a:t>
+            </a:r>
+          </a:p>
+        </p:txBody>
+      </p:sp>
+      <p:sp>
+        <p:nvSpPr>
+          <p:cNvPr id="23" name="Diamond 22"/>
+          <p:cNvSpPr/>
+          <p:nvPr/>
+        </p:nvSpPr>
+        <p:spPr>
+          <a:xfrm>
+            <a:off x="395536" y="507510"/>
+            <a:ext cx="1008112" cy="864096"/>
+          </a:xfrm>
+          <a:prstGeom prst="diamond">
+            <a:avLst/>
+          </a:prstGeom>
+          <a:solidFill>
+            <a:schemeClr val="tx1">
+              <a:alpha val="0"/>
+            </a:schemeClr>
+          </a:solidFill>
+          <a:ln>
+            <a:solidFill>
+              <a:schemeClr val="tx1"/>
+            </a:solidFill>
+          </a:ln>
+        </p:spPr>
+        <p:style>
+          <a:lnRef idx="2">
+            <a:schemeClr val="accent1">
+              <a:shade val="50000"/>
+            </a:schemeClr>
+          </a:lnRef>
+          <a:fillRef idx="1">
+            <a:schemeClr val="accent1"/>
+          </a:fillRef>
+          <a:effectRef idx="0">
+            <a:schemeClr val="accent1"/>
+          </a:effectRef>
+          <a:fontRef idx="minor">
+            <a:schemeClr val="lt1"/>
+          </a:fontRef>
+        </p:style>
+        <p:txBody>
+          <a:bodyPr rot="0" spcFirstLastPara="0" vertOverflow="overflow" horzOverflow="overflow" vert="horz" wrap="square" lIns="91440" tIns="45720" rIns="91440" bIns="45720" numCol="1" spcCol="0" rtlCol="0" fromWordArt="0" anchor="ctr" anchorCtr="0" forceAA="0" compatLnSpc="1">
+            <a:prstTxWarp prst="textNoShape">
+              <a:avLst/>
+            </a:prstTxWarp>
+            <a:noAutofit/>
+          </a:bodyPr>
+          <a:lstStyle/>
+          <a:p>
+            <a:pPr algn="ctr"/>
+            <a:r>
+              <a:rPr lang="ko-KR" altLang="en-US" sz="1200" dirty="0" smtClean="0">
+                <a:solidFill>
+                  <a:schemeClr val="tx1"/>
+                </a:solidFill>
+              </a:rPr>
+              <a:t>관</a:t>
+            </a:r>
+            <a:r>
+              <a:rPr lang="ko-KR" altLang="en-US" sz="1200" dirty="0">
+                <a:solidFill>
+                  <a:schemeClr val="tx1"/>
+                </a:solidFill>
+              </a:rPr>
+              <a:t>람</a:t>
+            </a:r>
+          </a:p>
+        </p:txBody>
+      </p:sp>
+      <p:cxnSp>
+        <p:nvCxnSpPr>
+          <p:cNvPr id="24" name="Straight Connector 23"/>
+          <p:cNvCxnSpPr>
+            <a:stCxn id="23" idx="3"/>
+            <a:endCxn id="6" idx="1"/>
+          </p:cNvCxnSpPr>
+          <p:nvPr/>
+        </p:nvCxnSpPr>
+        <p:spPr>
+          <a:xfrm>
+            <a:off x="1403648" y="939558"/>
+            <a:ext cx="4863503" cy="711183"/>
+          </a:xfrm>
+          <a:prstGeom prst="line">
+            <a:avLst/>
+          </a:prstGeom>
+          <a:ln>
+            <a:solidFill>
+              <a:schemeClr val="tx1">
+                <a:lumMod val="95000"/>
+                <a:lumOff val="5000"/>
+              </a:schemeClr>
+            </a:solidFill>
+          </a:ln>
+        </p:spPr>
+        <p:style>
+          <a:lnRef idx="1">
+            <a:schemeClr val="accent1"/>
+          </a:lnRef>
+          <a:fillRef idx="0">
+            <a:schemeClr val="accent1"/>
+          </a:fillRef>
+          <a:effectRef idx="0">
+            <a:schemeClr val="accent1"/>
+          </a:effectRef>
+          <a:fontRef idx="minor">
+            <a:schemeClr val="tx1"/>
+          </a:fontRef>
+        </p:style>
+      </p:cxnSp>
+      <p:cxnSp>
+        <p:nvCxnSpPr>
+          <p:cNvPr id="25" name="Straight Connector 24"/>
+          <p:cNvCxnSpPr>
+            <a:stCxn id="23" idx="2"/>
+            <a:endCxn id="22" idx="0"/>
+          </p:cNvCxnSpPr>
+          <p:nvPr/>
+        </p:nvCxnSpPr>
+        <p:spPr>
+          <a:xfrm>
+            <a:off x="899592" y="1371606"/>
+            <a:ext cx="2357763" cy="539303"/>
+          </a:xfrm>
+          <a:prstGeom prst="line">
+            <a:avLst/>
+          </a:prstGeom>
+          <a:ln>
+            <a:solidFill>
+              <a:schemeClr val="tx1"/>
+            </a:solidFill>
+          </a:ln>
+        </p:spPr>
+        <p:style>
+          <a:lnRef idx="1">
+            <a:schemeClr val="accent1"/>
+          </a:lnRef>
+          <a:fillRef idx="0">
+            <a:schemeClr val="accent1"/>
+          </a:fillRef>
+          <a:effectRef idx="0">
+            <a:schemeClr val="accent1"/>
+          </a:effectRef>
+          <a:fontRef idx="minor">
+            <a:schemeClr val="tx1"/>
+          </a:fontRef>
+        </p:style>
+      </p:cxnSp>
+      <p:cxnSp>
+        <p:nvCxnSpPr>
+          <p:cNvPr id="26" name="Straight Connector 25"/>
+          <p:cNvCxnSpPr>
+            <a:stCxn id="22" idx="1"/>
+            <a:endCxn id="4" idx="0"/>
+          </p:cNvCxnSpPr>
+          <p:nvPr/>
+        </p:nvCxnSpPr>
+        <p:spPr>
+          <a:xfrm flipH="1">
+            <a:off x="2099551" y="2342957"/>
+            <a:ext cx="653748" cy="1950139"/>
+          </a:xfrm>
+          <a:prstGeom prst="line">
+            <a:avLst/>
+          </a:prstGeom>
+          <a:ln>
+            <a:solidFill>
+              <a:schemeClr val="tx1"/>
+            </a:solidFill>
+          </a:ln>
+        </p:spPr>
+        <p:style>
+          <a:lnRef idx="1">
+            <a:schemeClr val="accent1"/>
+          </a:lnRef>
+          <a:fillRef idx="0">
+            <a:schemeClr val="accent1"/>
+          </a:fillRef>
+          <a:effectRef idx="0">
+            <a:schemeClr val="accent1"/>
+          </a:effectRef>
+          <a:fontRef idx="minor">
+            <a:schemeClr val="tx1"/>
+          </a:fontRef>
+        </p:style>
+      </p:cxnSp>
+      <p:cxnSp>
+        <p:nvCxnSpPr>
+          <p:cNvPr id="27" name="Straight Connector 26"/>
+          <p:cNvCxnSpPr>
+            <a:stCxn id="4" idx="3"/>
+            <a:endCxn id="21" idx="1"/>
+          </p:cNvCxnSpPr>
+          <p:nvPr/>
+        </p:nvCxnSpPr>
+        <p:spPr>
+          <a:xfrm>
+            <a:off x="2639611" y="4581128"/>
+            <a:ext cx="1212309" cy="0"/>
+          </a:xfrm>
+          <a:prstGeom prst="line">
+            <a:avLst/>
+          </a:prstGeom>
+          <a:ln>
+            <a:solidFill>
+              <a:schemeClr val="tx1"/>
+            </a:solidFill>
+          </a:ln>
+        </p:spPr>
+        <p:style>
+          <a:lnRef idx="1">
+            <a:schemeClr val="accent1"/>
+          </a:lnRef>
+          <a:fillRef idx="0">
+            <a:schemeClr val="accent1"/>
+          </a:fillRef>
+          <a:effectRef idx="0">
+            <a:schemeClr val="accent1"/>
+          </a:effectRef>
+          <a:fontRef idx="minor">
+            <a:schemeClr val="tx1"/>
+          </a:fontRef>
+        </p:style>
+      </p:cxnSp>
+      <p:cxnSp>
+        <p:nvCxnSpPr>
+          <p:cNvPr id="28" name="Straight Connector 27"/>
+          <p:cNvCxnSpPr>
+            <a:stCxn id="21" idx="3"/>
+            <a:endCxn id="5" idx="1"/>
+          </p:cNvCxnSpPr>
+          <p:nvPr/>
+        </p:nvCxnSpPr>
+        <p:spPr>
+          <a:xfrm>
+            <a:off x="4860032" y="4581128"/>
+            <a:ext cx="1407119" cy="0"/>
+          </a:xfrm>
+          <a:prstGeom prst="line">
+            <a:avLst/>
+          </a:prstGeom>
+          <a:ln>
+            <a:solidFill>
+              <a:schemeClr val="tx1"/>
+            </a:solidFill>
+          </a:ln>
+        </p:spPr>
+        <p:style>
+          <a:lnRef idx="1">
+            <a:schemeClr val="accent1"/>
+          </a:lnRef>
+          <a:fillRef idx="0">
+            <a:schemeClr val="accent1"/>
+          </a:fillRef>
+          <a:effectRef idx="0">
+            <a:schemeClr val="accent1"/>
+          </a:effectRef>
+          <a:fontRef idx="minor">
+            <a:schemeClr val="tx1"/>
+          </a:fontRef>
+        </p:style>
+      </p:cxnSp>
+      <p:cxnSp>
+        <p:nvCxnSpPr>
+          <p:cNvPr id="29" name="Straight Connector 28"/>
+          <p:cNvCxnSpPr>
+            <a:stCxn id="22" idx="3"/>
+            <a:endCxn id="6" idx="1"/>
+          </p:cNvCxnSpPr>
+          <p:nvPr/>
+        </p:nvCxnSpPr>
+        <p:spPr>
+          <a:xfrm flipV="1">
+            <a:off x="3761411" y="1650741"/>
+            <a:ext cx="2505740" cy="692216"/>
+          </a:xfrm>
+          <a:prstGeom prst="line">
+            <a:avLst/>
+          </a:prstGeom>
+          <a:ln>
+            <a:solidFill>
+              <a:schemeClr val="tx1"/>
+            </a:solidFill>
+          </a:ln>
+        </p:spPr>
+        <p:style>
+          <a:lnRef idx="1">
+            <a:schemeClr val="accent1"/>
+          </a:lnRef>
+          <a:fillRef idx="0">
+            <a:schemeClr val="accent1"/>
+          </a:fillRef>
+          <a:effectRef idx="0">
+            <a:schemeClr val="accent1"/>
+          </a:effectRef>
+          <a:fontRef idx="minor">
+            <a:schemeClr val="tx1"/>
+          </a:fontRef>
+        </p:style>
+      </p:cxnSp>
+      <p:sp>
+        <p:nvSpPr>
+          <p:cNvPr id="30" name="Rectangle 29"/>
+          <p:cNvSpPr/>
+          <p:nvPr/>
+        </p:nvSpPr>
+        <p:spPr>
+          <a:xfrm>
+            <a:off x="2682524" y="4293096"/>
+            <a:ext cx="216024" cy="216024"/>
+          </a:xfrm>
+          <a:prstGeom prst="rect">
+            <a:avLst/>
+          </a:prstGeom>
+          <a:solidFill>
+            <a:srgbClr val="000000">
+              <a:alpha val="0"/>
+            </a:srgbClr>
+          </a:solidFill>
+          <a:ln>
+            <a:noFill/>
+          </a:ln>
+        </p:spPr>
+        <p:style>
+          <a:lnRef idx="2">
+            <a:schemeClr val="accent1">
+              <a:shade val="50000"/>
+            </a:schemeClr>
+          </a:lnRef>
+          <a:fillRef idx="1">
+            <a:schemeClr val="accent1"/>
+          </a:fillRef>
+          <a:effectRef idx="0">
+            <a:schemeClr val="accent1"/>
+          </a:effectRef>
+          <a:fontRef idx="minor">
+            <a:schemeClr val="lt1"/>
+          </a:fontRef>
+        </p:style>
+        <p:txBody>
+          <a:bodyPr rot="0" spcFirstLastPara="0" vertOverflow="overflow" horzOverflow="overflow" vert="horz" wrap="square" lIns="91440" tIns="45720" rIns="91440" bIns="45720" numCol="1" spcCol="0" rtlCol="0" fromWordArt="0" anchor="ctr" anchorCtr="0" forceAA="0" compatLnSpc="1">
+            <a:prstTxWarp prst="textNoShape">
+              <a:avLst/>
+            </a:prstTxWarp>
+            <a:noAutofit/>
+          </a:bodyPr>
+          <a:lstStyle/>
+          <a:p>
+            <a:pPr algn="ctr"/>
+            <a:r>
+              <a:rPr lang="en-US" altLang="ko-KR" sz="1200" dirty="0">
+                <a:solidFill>
+                  <a:schemeClr val="tx1"/>
+                </a:solidFill>
+              </a:rPr>
+              <a:t>1</a:t>
+            </a:r>
+            <a:endParaRPr lang="ko-KR" altLang="en-US" sz="1200" dirty="0">
+              <a:solidFill>
+                <a:schemeClr val="tx1"/>
+              </a:solidFill>
+            </a:endParaRPr>
+          </a:p>
+        </p:txBody>
+      </p:sp>
+      <p:sp>
+        <p:nvSpPr>
+          <p:cNvPr id="31" name="Rectangle 30"/>
+          <p:cNvSpPr/>
+          <p:nvPr/>
+        </p:nvSpPr>
+        <p:spPr>
+          <a:xfrm>
+            <a:off x="6012160" y="4293096"/>
+            <a:ext cx="216024" cy="216024"/>
+          </a:xfrm>
+          <a:prstGeom prst="rect">
+            <a:avLst/>
+          </a:prstGeom>
+          <a:solidFill>
+            <a:srgbClr val="000000">
+              <a:alpha val="0"/>
+            </a:srgbClr>
+          </a:solidFill>
+          <a:ln>
+            <a:noFill/>
+          </a:ln>
+        </p:spPr>
+        <p:style>
+          <a:lnRef idx="2">
+            <a:schemeClr val="accent1">
+              <a:shade val="50000"/>
+            </a:schemeClr>
+          </a:lnRef>
+          <a:fillRef idx="1">
+            <a:schemeClr val="accent1"/>
+          </a:fillRef>
+          <a:effectRef idx="0">
+            <a:schemeClr val="accent1"/>
+          </a:effectRef>
+          <a:fontRef idx="minor">
+            <a:schemeClr val="lt1"/>
+          </a:fontRef>
+        </p:style>
+        <p:txBody>
+          <a:bodyPr rot="0" spcFirstLastPara="0" vertOverflow="overflow" horzOverflow="overflow" vert="horz" wrap="square" lIns="91440" tIns="45720" rIns="91440" bIns="45720" numCol="1" spcCol="0" rtlCol="0" fromWordArt="0" anchor="ctr" anchorCtr="0" forceAA="0" compatLnSpc="1">
+            <a:prstTxWarp prst="textNoShape">
+              <a:avLst/>
+            </a:prstTxWarp>
+            <a:noAutofit/>
+          </a:bodyPr>
+          <a:lstStyle/>
+          <a:p>
+            <a:pPr algn="ctr"/>
+            <a:r>
+              <a:rPr lang="en-US" altLang="ko-KR" sz="1200" dirty="0" smtClean="0">
+                <a:solidFill>
+                  <a:schemeClr val="tx1"/>
+                </a:solidFill>
+              </a:rPr>
+              <a:t>N</a:t>
+            </a:r>
+            <a:endParaRPr lang="ko-KR" altLang="en-US" sz="1200" dirty="0">
+              <a:solidFill>
+                <a:schemeClr val="tx1"/>
+              </a:solidFill>
+            </a:endParaRPr>
+          </a:p>
+        </p:txBody>
+      </p:sp>
+      <p:sp>
+        <p:nvSpPr>
+          <p:cNvPr id="32" name="Rectangle 31"/>
+          <p:cNvSpPr/>
+          <p:nvPr/>
+        </p:nvSpPr>
+        <p:spPr>
+          <a:xfrm>
+            <a:off x="5796136" y="1772816"/>
+            <a:ext cx="216024" cy="216024"/>
+          </a:xfrm>
+          <a:prstGeom prst="rect">
+            <a:avLst/>
+          </a:prstGeom>
+          <a:solidFill>
+            <a:srgbClr val="000000">
+              <a:alpha val="0"/>
+            </a:srgbClr>
+          </a:solidFill>
+          <a:ln>
+            <a:noFill/>
+          </a:ln>
+        </p:spPr>
+        <p:style>
+          <a:lnRef idx="2">
+            <a:schemeClr val="accent1">
+              <a:shade val="50000"/>
+            </a:schemeClr>
+          </a:lnRef>
+          <a:fillRef idx="1">
+            <a:schemeClr val="accent1"/>
+          </a:fillRef>
+          <a:effectRef idx="0">
+            <a:schemeClr val="accent1"/>
+          </a:effectRef>
+          <a:fontRef idx="minor">
+            <a:schemeClr val="lt1"/>
+          </a:fontRef>
+        </p:style>
+        <p:txBody>
+          <a:bodyPr rot="0" spcFirstLastPara="0" vertOverflow="overflow" horzOverflow="overflow" vert="horz" wrap="square" lIns="91440" tIns="45720" rIns="91440" bIns="45720" numCol="1" spcCol="0" rtlCol="0" fromWordArt="0" anchor="ctr" anchorCtr="0" forceAA="0" compatLnSpc="1">
+            <a:prstTxWarp prst="textNoShape">
+              <a:avLst/>
+            </a:prstTxWarp>
+            <a:noAutofit/>
+          </a:bodyPr>
+          <a:lstStyle/>
+          <a:p>
+            <a:pPr algn="ctr"/>
+            <a:r>
+              <a:rPr lang="en-US" altLang="ko-KR" sz="1200" dirty="0">
+                <a:solidFill>
+                  <a:schemeClr val="tx1"/>
+                </a:solidFill>
+              </a:rPr>
+              <a:t>M</a:t>
+            </a:r>
+            <a:endParaRPr lang="ko-KR" altLang="en-US" sz="1200" dirty="0">
+              <a:solidFill>
+                <a:schemeClr val="tx1"/>
+              </a:solidFill>
+            </a:endParaRPr>
+          </a:p>
+        </p:txBody>
+      </p:sp>
+      <p:sp>
+        <p:nvSpPr>
+          <p:cNvPr id="33" name="Rectangle 32"/>
+          <p:cNvSpPr/>
+          <p:nvPr/>
+        </p:nvSpPr>
+        <p:spPr>
+          <a:xfrm>
+            <a:off x="1979712" y="3933056"/>
+            <a:ext cx="216024" cy="216024"/>
+          </a:xfrm>
+          <a:prstGeom prst="rect">
+            <a:avLst/>
+          </a:prstGeom>
+          <a:solidFill>
+            <a:srgbClr val="000000">
+              <a:alpha val="0"/>
+            </a:srgbClr>
+          </a:solidFill>
+          <a:ln>
+            <a:noFill/>
+          </a:ln>
+        </p:spPr>
+        <p:style>
+          <a:lnRef idx="2">
+            <a:schemeClr val="accent1">
+              <a:shade val="50000"/>
+            </a:schemeClr>
+          </a:lnRef>
+          <a:fillRef idx="1">
+            <a:schemeClr val="accent1"/>
+          </a:fillRef>
+          <a:effectRef idx="0">
+            <a:schemeClr val="accent1"/>
+          </a:effectRef>
+          <a:fontRef idx="minor">
+            <a:schemeClr val="lt1"/>
+          </a:fontRef>
+        </p:style>
+        <p:txBody>
+          <a:bodyPr rot="0" spcFirstLastPara="0" vertOverflow="overflow" horzOverflow="overflow" vert="horz" wrap="square" lIns="91440" tIns="45720" rIns="91440" bIns="45720" numCol="1" spcCol="0" rtlCol="0" fromWordArt="0" anchor="ctr" anchorCtr="0" forceAA="0" compatLnSpc="1">
+            <a:prstTxWarp prst="textNoShape">
+              <a:avLst/>
+            </a:prstTxWarp>
+            <a:noAutofit/>
+          </a:bodyPr>
+          <a:lstStyle/>
+          <a:p>
+            <a:pPr algn="ctr"/>
+            <a:r>
+              <a:rPr lang="en-US" altLang="ko-KR" sz="1200" dirty="0" smtClean="0">
+                <a:solidFill>
+                  <a:schemeClr val="tx1"/>
+                </a:solidFill>
+              </a:rPr>
+              <a:t>N</a:t>
+            </a:r>
+            <a:endParaRPr lang="ko-KR" altLang="en-US" sz="1200" dirty="0">
+              <a:solidFill>
+                <a:schemeClr val="tx1"/>
+              </a:solidFill>
+            </a:endParaRPr>
+          </a:p>
+        </p:txBody>
+      </p:sp>
+      <p:sp>
+        <p:nvSpPr>
+          <p:cNvPr id="34" name="Rectangle 33"/>
+          <p:cNvSpPr/>
+          <p:nvPr/>
+        </p:nvSpPr>
+        <p:spPr>
+          <a:xfrm>
+            <a:off x="1691680" y="4005064"/>
+            <a:ext cx="216024" cy="216024"/>
+          </a:xfrm>
+          <a:prstGeom prst="rect">
+            <a:avLst/>
+          </a:prstGeom>
+          <a:solidFill>
+            <a:srgbClr val="000000">
+              <a:alpha val="0"/>
+            </a:srgbClr>
+          </a:solidFill>
+          <a:ln>
+            <a:noFill/>
+          </a:ln>
+        </p:spPr>
+        <p:style>
+          <a:lnRef idx="2">
+            <a:schemeClr val="accent1">
+              <a:shade val="50000"/>
+            </a:schemeClr>
+          </a:lnRef>
+          <a:fillRef idx="1">
+            <a:schemeClr val="accent1"/>
+          </a:fillRef>
+          <a:effectRef idx="0">
+            <a:schemeClr val="accent1"/>
+          </a:effectRef>
+          <a:fontRef idx="minor">
+            <a:schemeClr val="lt1"/>
+          </a:fontRef>
+        </p:style>
+        <p:txBody>
+          <a:bodyPr rot="0" spcFirstLastPara="0" vertOverflow="overflow" horzOverflow="overflow" vert="horz" wrap="square" lIns="91440" tIns="45720" rIns="91440" bIns="45720" numCol="1" spcCol="0" rtlCol="0" fromWordArt="0" anchor="ctr" anchorCtr="0" forceAA="0" compatLnSpc="1">
+            <a:prstTxWarp prst="textNoShape">
+              <a:avLst/>
+            </a:prstTxWarp>
+            <a:noAutofit/>
+          </a:bodyPr>
+          <a:lstStyle/>
+          <a:p>
+            <a:pPr algn="ctr"/>
+            <a:r>
+              <a:rPr lang="en-US" altLang="ko-KR" sz="1200" dirty="0" smtClean="0">
+                <a:solidFill>
+                  <a:schemeClr val="tx1"/>
+                </a:solidFill>
+              </a:rPr>
+              <a:t>N</a:t>
+            </a:r>
+            <a:endParaRPr lang="ko-KR" altLang="en-US" sz="1200" dirty="0">
+              <a:solidFill>
+                <a:schemeClr val="tx1"/>
+              </a:solidFill>
+            </a:endParaRPr>
+          </a:p>
+        </p:txBody>
+      </p:sp>
+      <p:sp>
+        <p:nvSpPr>
+          <p:cNvPr id="35" name="Rectangle 34"/>
+          <p:cNvSpPr/>
+          <p:nvPr/>
+        </p:nvSpPr>
+        <p:spPr>
+          <a:xfrm>
+            <a:off x="5868144" y="1268760"/>
+            <a:ext cx="216024" cy="216024"/>
+          </a:xfrm>
+          <a:prstGeom prst="rect">
+            <a:avLst/>
+          </a:prstGeom>
+          <a:solidFill>
+            <a:srgbClr val="000000">
+              <a:alpha val="0"/>
+            </a:srgbClr>
+          </a:solidFill>
+          <a:ln>
+            <a:noFill/>
+          </a:ln>
+        </p:spPr>
+        <p:style>
+          <a:lnRef idx="2">
+            <a:schemeClr val="accent1">
+              <a:shade val="50000"/>
+            </a:schemeClr>
+          </a:lnRef>
+          <a:fillRef idx="1">
+            <a:schemeClr val="accent1"/>
+          </a:fillRef>
+          <a:effectRef idx="0">
+            <a:schemeClr val="accent1"/>
+          </a:effectRef>
+          <a:fontRef idx="minor">
+            <a:schemeClr val="lt1"/>
+          </a:fontRef>
+        </p:style>
+        <p:txBody>
+          <a:bodyPr rot="0" spcFirstLastPara="0" vertOverflow="overflow" horzOverflow="overflow" vert="horz" wrap="square" lIns="91440" tIns="45720" rIns="91440" bIns="45720" numCol="1" spcCol="0" rtlCol="0" fromWordArt="0" anchor="ctr" anchorCtr="0" forceAA="0" compatLnSpc="1">
+            <a:prstTxWarp prst="textNoShape">
+              <a:avLst/>
+            </a:prstTxWarp>
+            <a:noAutofit/>
+          </a:bodyPr>
+          <a:lstStyle/>
+          <a:p>
+            <a:pPr algn="ctr"/>
+            <a:r>
+              <a:rPr lang="en-US" altLang="ko-KR" sz="1200" dirty="0">
+                <a:solidFill>
+                  <a:schemeClr val="tx1"/>
+                </a:solidFill>
+              </a:rPr>
+              <a:t>M</a:t>
+            </a:r>
+            <a:endParaRPr lang="ko-KR" altLang="en-US" sz="1200" dirty="0">
+              <a:solidFill>
+                <a:schemeClr val="tx1"/>
+              </a:solidFill>
+            </a:endParaRPr>
+          </a:p>
+        </p:txBody>
+      </p:sp>
+      <p:cxnSp>
+        <p:nvCxnSpPr>
+          <p:cNvPr id="36" name="Straight Connector 35"/>
+          <p:cNvCxnSpPr>
+            <a:stCxn id="23" idx="2"/>
+            <a:endCxn id="4" idx="0"/>
+          </p:cNvCxnSpPr>
+          <p:nvPr/>
+        </p:nvCxnSpPr>
+        <p:spPr>
+          <a:xfrm>
+            <a:off x="899592" y="1371606"/>
+            <a:ext cx="1199959" cy="2921490"/>
+          </a:xfrm>
+          <a:prstGeom prst="line">
+            <a:avLst/>
+          </a:prstGeom>
+          <a:ln>
+            <a:solidFill>
+              <a:schemeClr val="tx1"/>
+            </a:solidFill>
+          </a:ln>
+        </p:spPr>
+        <p:style>
+          <a:lnRef idx="1">
+            <a:schemeClr val="accent1"/>
+          </a:lnRef>
+          <a:fillRef idx="0">
+            <a:schemeClr val="accent1"/>
+          </a:fillRef>
+          <a:effectRef idx="0">
+            <a:schemeClr val="accent1"/>
+          </a:effectRef>
+          <a:fontRef idx="minor">
+            <a:schemeClr val="tx1"/>
+          </a:fontRef>
+        </p:style>
+      </p:cxnSp>
+      <p:sp>
+        <p:nvSpPr>
+          <p:cNvPr id="37" name="Rectangle 36"/>
+          <p:cNvSpPr/>
+          <p:nvPr/>
+        </p:nvSpPr>
+        <p:spPr>
+          <a:xfrm>
+            <a:off x="5818076" y="4653136"/>
+            <a:ext cx="626132" cy="216024"/>
+          </a:xfrm>
+          <a:prstGeom prst="rect">
+            <a:avLst/>
+          </a:prstGeom>
+          <a:solidFill>
+            <a:srgbClr val="000000">
+              <a:alpha val="0"/>
+            </a:srgbClr>
+          </a:solidFill>
+          <a:ln>
+            <a:noFill/>
+          </a:ln>
+        </p:spPr>
+        <p:style>
+          <a:lnRef idx="2">
+            <a:schemeClr val="accent1">
+              <a:shade val="50000"/>
+            </a:schemeClr>
+          </a:lnRef>
+          <a:fillRef idx="1">
+            <a:schemeClr val="accent1"/>
+          </a:fillRef>
+          <a:effectRef idx="0">
+            <a:schemeClr val="accent1"/>
+          </a:effectRef>
+          <a:fontRef idx="minor">
+            <a:schemeClr val="lt1"/>
+          </a:fontRef>
+        </p:style>
+        <p:txBody>
+          <a:bodyPr rot="0" spcFirstLastPara="0" vertOverflow="overflow" horzOverflow="overflow" vert="horz" wrap="square" lIns="91440" tIns="45720" rIns="91440" bIns="45720" numCol="1" spcCol="0" rtlCol="0" fromWordArt="0" anchor="ctr" anchorCtr="0" forceAA="0" compatLnSpc="1">
+            <a:prstTxWarp prst="textNoShape">
+              <a:avLst/>
+            </a:prstTxWarp>
+            <a:noAutofit/>
+          </a:bodyPr>
+          <a:lstStyle/>
+          <a:p>
+            <a:pPr algn="ctr"/>
+            <a:r>
+              <a:rPr lang="en-US" altLang="ko-KR" sz="1200" dirty="0" smtClean="0">
+                <a:solidFill>
+                  <a:schemeClr val="tx1"/>
+                </a:solidFill>
+              </a:rPr>
+              <a:t>0.1</a:t>
+            </a:r>
+            <a:endParaRPr lang="ko-KR" altLang="en-US" sz="1200" dirty="0">
+              <a:solidFill>
+                <a:schemeClr val="tx1"/>
+              </a:solidFill>
+            </a:endParaRPr>
+          </a:p>
+        </p:txBody>
+      </p:sp>
+      <p:sp>
+        <p:nvSpPr>
+          <p:cNvPr id="38" name="Rectangle 37"/>
+          <p:cNvSpPr/>
+          <p:nvPr/>
+        </p:nvSpPr>
+        <p:spPr>
+          <a:xfrm>
+            <a:off x="2505708" y="4608748"/>
+            <a:ext cx="626132" cy="216024"/>
+          </a:xfrm>
+          <a:prstGeom prst="rect">
+            <a:avLst/>
+          </a:prstGeom>
+          <a:solidFill>
+            <a:srgbClr val="000000">
+              <a:alpha val="0"/>
+            </a:srgbClr>
+          </a:solidFill>
+          <a:ln>
+            <a:noFill/>
+          </a:ln>
+        </p:spPr>
+        <p:style>
+          <a:lnRef idx="2">
+            <a:schemeClr val="accent1">
+              <a:shade val="50000"/>
+            </a:schemeClr>
+          </a:lnRef>
+          <a:fillRef idx="1">
+            <a:schemeClr val="accent1"/>
+          </a:fillRef>
+          <a:effectRef idx="0">
+            <a:schemeClr val="accent1"/>
+          </a:effectRef>
+          <a:fontRef idx="minor">
+            <a:schemeClr val="lt1"/>
+          </a:fontRef>
+        </p:style>
+        <p:txBody>
+          <a:bodyPr rot="0" spcFirstLastPara="0" vertOverflow="overflow" horzOverflow="overflow" vert="horz" wrap="square" lIns="91440" tIns="45720" rIns="91440" bIns="45720" numCol="1" spcCol="0" rtlCol="0" fromWordArt="0" anchor="ctr" anchorCtr="0" forceAA="0" compatLnSpc="1">
+            <a:prstTxWarp prst="textNoShape">
+              <a:avLst/>
+            </a:prstTxWarp>
+            <a:noAutofit/>
+          </a:bodyPr>
+          <a:lstStyle/>
+          <a:p>
+            <a:pPr algn="ctr"/>
+            <a:r>
+              <a:rPr lang="en-US" altLang="ko-KR" sz="1200" dirty="0" smtClean="0">
+                <a:solidFill>
+                  <a:schemeClr val="tx1"/>
+                </a:solidFill>
+              </a:rPr>
+              <a:t>1.*</a:t>
+            </a:r>
+            <a:endParaRPr lang="ko-KR" altLang="en-US" sz="1200" dirty="0">
+              <a:solidFill>
+                <a:schemeClr val="tx1"/>
+              </a:solidFill>
+            </a:endParaRPr>
+          </a:p>
+        </p:txBody>
+      </p:sp>
+      <p:sp>
+        <p:nvSpPr>
+          <p:cNvPr id="39" name="Rectangle 38"/>
+          <p:cNvSpPr/>
+          <p:nvPr/>
+        </p:nvSpPr>
+        <p:spPr>
+          <a:xfrm>
+            <a:off x="4932040" y="1628800"/>
+            <a:ext cx="626132" cy="216024"/>
+          </a:xfrm>
+          <a:prstGeom prst="rect">
+            <a:avLst/>
+          </a:prstGeom>
+          <a:solidFill>
+            <a:srgbClr val="000000">
+              <a:alpha val="0"/>
+            </a:srgbClr>
+          </a:solidFill>
+          <a:ln>
+            <a:noFill/>
+          </a:ln>
+        </p:spPr>
+        <p:style>
+          <a:lnRef idx="2">
+            <a:schemeClr val="accent1">
+              <a:shade val="50000"/>
+            </a:schemeClr>
+          </a:lnRef>
+          <a:fillRef idx="1">
+            <a:schemeClr val="accent1"/>
+          </a:fillRef>
+          <a:effectRef idx="0">
+            <a:schemeClr val="accent1"/>
+          </a:effectRef>
+          <a:fontRef idx="minor">
+            <a:schemeClr val="lt1"/>
+          </a:fontRef>
+        </p:style>
+        <p:txBody>
+          <a:bodyPr rot="0" spcFirstLastPara="0" vertOverflow="overflow" horzOverflow="overflow" vert="horz" wrap="square" lIns="91440" tIns="45720" rIns="91440" bIns="45720" numCol="1" spcCol="0" rtlCol="0" fromWordArt="0" anchor="ctr" anchorCtr="0" forceAA="0" compatLnSpc="1">
+            <a:prstTxWarp prst="textNoShape">
+              <a:avLst/>
+            </a:prstTxWarp>
+            <a:noAutofit/>
+          </a:bodyPr>
+          <a:lstStyle/>
+          <a:p>
+            <a:pPr algn="ctr"/>
+            <a:r>
+              <a:rPr lang="en-US" altLang="ko-KR" sz="1200" dirty="0" smtClean="0">
+                <a:solidFill>
+                  <a:schemeClr val="tx1"/>
+                </a:solidFill>
+              </a:rPr>
+              <a:t>0.*</a:t>
+            </a:r>
+            <a:endParaRPr lang="ko-KR" altLang="en-US" sz="1200" dirty="0">
+              <a:solidFill>
+                <a:schemeClr val="tx1"/>
+              </a:solidFill>
+            </a:endParaRPr>
+          </a:p>
+        </p:txBody>
+      </p:sp>
+      <p:sp>
+        <p:nvSpPr>
+          <p:cNvPr id="40" name="Rectangle 39"/>
+          <p:cNvSpPr/>
+          <p:nvPr/>
+        </p:nvSpPr>
+        <p:spPr>
+          <a:xfrm>
+            <a:off x="2145668" y="3789040"/>
+            <a:ext cx="626132" cy="216024"/>
+          </a:xfrm>
+          <a:prstGeom prst="rect">
+            <a:avLst/>
+          </a:prstGeom>
+          <a:solidFill>
+            <a:srgbClr val="000000">
+              <a:alpha val="0"/>
+            </a:srgbClr>
+          </a:solidFill>
+          <a:ln>
+            <a:noFill/>
+          </a:ln>
+        </p:spPr>
+        <p:style>
+          <a:lnRef idx="2">
+            <a:schemeClr val="accent1">
+              <a:shade val="50000"/>
+            </a:schemeClr>
+          </a:lnRef>
+          <a:fillRef idx="1">
+            <a:schemeClr val="accent1"/>
+          </a:fillRef>
+          <a:effectRef idx="0">
+            <a:schemeClr val="accent1"/>
+          </a:effectRef>
+          <a:fontRef idx="minor">
+            <a:schemeClr val="lt1"/>
+          </a:fontRef>
+        </p:style>
+        <p:txBody>
+          <a:bodyPr rot="0" spcFirstLastPara="0" vertOverflow="overflow" horzOverflow="overflow" vert="horz" wrap="square" lIns="91440" tIns="45720" rIns="91440" bIns="45720" numCol="1" spcCol="0" rtlCol="0" fromWordArt="0" anchor="ctr" anchorCtr="0" forceAA="0" compatLnSpc="1">
+            <a:prstTxWarp prst="textNoShape">
+              <a:avLst/>
+            </a:prstTxWarp>
+            <a:noAutofit/>
+          </a:bodyPr>
+          <a:lstStyle/>
+          <a:p>
+            <a:pPr algn="ctr"/>
+            <a:r>
+              <a:rPr lang="en-US" altLang="ko-KR" sz="1200" dirty="0" smtClean="0">
+                <a:solidFill>
+                  <a:schemeClr val="tx1"/>
+                </a:solidFill>
+              </a:rPr>
+              <a:t>0.*</a:t>
+            </a:r>
+            <a:endParaRPr lang="ko-KR" altLang="en-US" sz="1200" dirty="0">
+              <a:solidFill>
+                <a:schemeClr val="tx1"/>
+              </a:solidFill>
+            </a:endParaRPr>
+          </a:p>
+        </p:txBody>
+      </p:sp>
+      <p:sp>
+        <p:nvSpPr>
+          <p:cNvPr id="41" name="Rectangle 40"/>
+          <p:cNvSpPr/>
+          <p:nvPr/>
+        </p:nvSpPr>
+        <p:spPr>
+          <a:xfrm>
+            <a:off x="1763688" y="3717032"/>
+            <a:ext cx="626132" cy="216024"/>
+          </a:xfrm>
+          <a:prstGeom prst="rect">
+            <a:avLst/>
+          </a:prstGeom>
+          <a:solidFill>
+            <a:srgbClr val="000000">
+              <a:alpha val="0"/>
+            </a:srgbClr>
+          </a:solidFill>
+          <a:ln>
+            <a:noFill/>
+          </a:ln>
+        </p:spPr>
+        <p:style>
+          <a:lnRef idx="2">
+            <a:schemeClr val="accent1">
+              <a:shade val="50000"/>
+            </a:schemeClr>
+          </a:lnRef>
+          <a:fillRef idx="1">
+            <a:schemeClr val="accent1"/>
+          </a:fillRef>
+          <a:effectRef idx="0">
+            <a:schemeClr val="accent1"/>
+          </a:effectRef>
+          <a:fontRef idx="minor">
+            <a:schemeClr val="lt1"/>
+          </a:fontRef>
+        </p:style>
+        <p:txBody>
+          <a:bodyPr rot="0" spcFirstLastPara="0" vertOverflow="overflow" horzOverflow="overflow" vert="horz" wrap="square" lIns="91440" tIns="45720" rIns="91440" bIns="45720" numCol="1" spcCol="0" rtlCol="0" fromWordArt="0" anchor="ctr" anchorCtr="0" forceAA="0" compatLnSpc="1">
+            <a:prstTxWarp prst="textNoShape">
+              <a:avLst/>
+            </a:prstTxWarp>
+            <a:noAutofit/>
+          </a:bodyPr>
+          <a:lstStyle/>
+          <a:p>
+            <a:pPr algn="ctr"/>
+            <a:r>
+              <a:rPr lang="en-US" altLang="ko-KR" sz="1200" dirty="0" smtClean="0">
+                <a:solidFill>
+                  <a:schemeClr val="tx1"/>
+                </a:solidFill>
+              </a:rPr>
+              <a:t>0.*</a:t>
+            </a:r>
+            <a:endParaRPr lang="ko-KR" altLang="en-US" sz="1200" dirty="0">
+              <a:solidFill>
+                <a:schemeClr val="tx1"/>
+              </a:solidFill>
+            </a:endParaRPr>
+          </a:p>
+        </p:txBody>
+      </p:sp>
+      <p:sp>
+        <p:nvSpPr>
+          <p:cNvPr id="42" name="Rectangle 41"/>
+          <p:cNvSpPr/>
+          <p:nvPr/>
+        </p:nvSpPr>
+        <p:spPr>
+          <a:xfrm>
+            <a:off x="5458036" y="1628800"/>
+            <a:ext cx="626132" cy="216024"/>
+          </a:xfrm>
+          <a:prstGeom prst="rect">
+            <a:avLst/>
+          </a:prstGeom>
+          <a:solidFill>
+            <a:srgbClr val="000000">
+              <a:alpha val="0"/>
+            </a:srgbClr>
+          </a:solidFill>
+          <a:ln>
+            <a:noFill/>
+          </a:ln>
+        </p:spPr>
+        <p:style>
+          <a:lnRef idx="2">
+            <a:schemeClr val="accent1">
+              <a:shade val="50000"/>
+            </a:schemeClr>
+          </a:lnRef>
+          <a:fillRef idx="1">
+            <a:schemeClr val="accent1"/>
+          </a:fillRef>
+          <a:effectRef idx="0">
+            <a:schemeClr val="accent1"/>
+          </a:effectRef>
+          <a:fontRef idx="minor">
+            <a:schemeClr val="lt1"/>
+          </a:fontRef>
+        </p:style>
+        <p:txBody>
+          <a:bodyPr rot="0" spcFirstLastPara="0" vertOverflow="overflow" horzOverflow="overflow" vert="horz" wrap="square" lIns="91440" tIns="45720" rIns="91440" bIns="45720" numCol="1" spcCol="0" rtlCol="0" fromWordArt="0" anchor="ctr" anchorCtr="0" forceAA="0" compatLnSpc="1">
+            <a:prstTxWarp prst="textNoShape">
+              <a:avLst/>
+            </a:prstTxWarp>
+            <a:noAutofit/>
+          </a:bodyPr>
+          <a:lstStyle/>
+          <a:p>
+            <a:pPr algn="ctr"/>
+            <a:r>
+              <a:rPr lang="en-US" altLang="ko-KR" sz="1200" dirty="0" smtClean="0">
+                <a:solidFill>
+                  <a:schemeClr val="tx1"/>
+                </a:solidFill>
+              </a:rPr>
+              <a:t>0.*</a:t>
+            </a:r>
+            <a:endParaRPr lang="ko-KR" altLang="en-US" sz="1200" dirty="0">
+              <a:solidFill>
+                <a:schemeClr val="tx1"/>
+              </a:solidFill>
+            </a:endParaRPr>
+          </a:p>
+        </p:txBody>
+      </p:sp>
+      <p:sp>
+        <p:nvSpPr>
+          <p:cNvPr id="52" name="Diamond 51"/>
+          <p:cNvSpPr/>
+          <p:nvPr/>
+        </p:nvSpPr>
+        <p:spPr>
+          <a:xfrm>
+            <a:off x="3779912" y="2834433"/>
+            <a:ext cx="1008112" cy="864096"/>
+          </a:xfrm>
+          <a:prstGeom prst="diamond">
+            <a:avLst/>
+          </a:prstGeom>
+          <a:solidFill>
+            <a:schemeClr val="tx1">
+              <a:alpha val="0"/>
+            </a:schemeClr>
+          </a:solidFill>
+          <a:ln>
+            <a:solidFill>
+              <a:schemeClr val="tx1"/>
+            </a:solidFill>
+          </a:ln>
+        </p:spPr>
+        <p:style>
+          <a:lnRef idx="2">
+            <a:schemeClr val="accent1">
+              <a:shade val="50000"/>
+            </a:schemeClr>
+          </a:lnRef>
+          <a:fillRef idx="1">
+            <a:schemeClr val="accent1"/>
+          </a:fillRef>
+          <a:effectRef idx="0">
+            <a:schemeClr val="accent1"/>
+          </a:effectRef>
+          <a:fontRef idx="minor">
+            <a:schemeClr val="lt1"/>
+          </a:fontRef>
+        </p:style>
+        <p:txBody>
+          <a:bodyPr rot="0" spcFirstLastPara="0" vertOverflow="overflow" horzOverflow="overflow" vert="horz" wrap="square" lIns="91440" tIns="45720" rIns="91440" bIns="45720" numCol="1" spcCol="0" rtlCol="0" fromWordArt="0" anchor="ctr" anchorCtr="0" forceAA="0" compatLnSpc="1">
+            <a:prstTxWarp prst="textNoShape">
+              <a:avLst/>
+            </a:prstTxWarp>
+            <a:noAutofit/>
+          </a:bodyPr>
+          <a:lstStyle/>
+          <a:p>
+            <a:pPr algn="ctr"/>
+            <a:r>
+              <a:rPr lang="ko-KR" altLang="en-US" sz="1200" dirty="0" smtClean="0">
+                <a:solidFill>
+                  <a:schemeClr val="tx1"/>
+                </a:solidFill>
+              </a:rPr>
+              <a:t>리</a:t>
+            </a:r>
+            <a:r>
+              <a:rPr lang="ko-KR" altLang="en-US" sz="1200" dirty="0">
+                <a:solidFill>
+                  <a:schemeClr val="tx1"/>
+                </a:solidFill>
+              </a:rPr>
+              <a:t>뷰</a:t>
+            </a:r>
+          </a:p>
+        </p:txBody>
+      </p:sp>
+      <p:cxnSp>
+        <p:nvCxnSpPr>
+          <p:cNvPr id="54" name="Straight Connector 53"/>
+          <p:cNvCxnSpPr>
+            <a:stCxn id="52" idx="3"/>
+            <a:endCxn id="6" idx="1"/>
+          </p:cNvCxnSpPr>
+          <p:nvPr/>
+        </p:nvCxnSpPr>
+        <p:spPr>
+          <a:xfrm flipV="1">
+            <a:off x="4788024" y="1650741"/>
+            <a:ext cx="1479127" cy="1615740"/>
+          </a:xfrm>
+          <a:prstGeom prst="line">
+            <a:avLst/>
+          </a:prstGeom>
+          <a:ln>
+            <a:solidFill>
+              <a:schemeClr val="tx1"/>
+            </a:solidFill>
+          </a:ln>
+        </p:spPr>
+        <p:style>
+          <a:lnRef idx="1">
+            <a:schemeClr val="accent1"/>
+          </a:lnRef>
+          <a:fillRef idx="0">
+            <a:schemeClr val="accent1"/>
+          </a:fillRef>
+          <a:effectRef idx="0">
+            <a:schemeClr val="accent1"/>
+          </a:effectRef>
+          <a:fontRef idx="minor">
+            <a:schemeClr val="tx1"/>
+          </a:fontRef>
+        </p:style>
+      </p:cxnSp>
+      <p:cxnSp>
+        <p:nvCxnSpPr>
+          <p:cNvPr id="56" name="Straight Connector 55"/>
+          <p:cNvCxnSpPr>
+            <a:stCxn id="52" idx="1"/>
+            <a:endCxn id="4" idx="0"/>
+          </p:cNvCxnSpPr>
+          <p:nvPr/>
+        </p:nvCxnSpPr>
+        <p:spPr>
+          <a:xfrm flipH="1">
+            <a:off x="2099551" y="3266481"/>
+            <a:ext cx="1680361" cy="1026615"/>
+          </a:xfrm>
+          <a:prstGeom prst="line">
+            <a:avLst/>
+          </a:prstGeom>
+          <a:ln>
+            <a:solidFill>
+              <a:schemeClr val="tx1"/>
+            </a:solidFill>
+          </a:ln>
+        </p:spPr>
+        <p:style>
+          <a:lnRef idx="1">
+            <a:schemeClr val="accent1"/>
+          </a:lnRef>
+          <a:fillRef idx="0">
+            <a:schemeClr val="accent1"/>
+          </a:fillRef>
+          <a:effectRef idx="0">
+            <a:schemeClr val="accent1"/>
+          </a:effectRef>
+          <a:fontRef idx="minor">
+            <a:schemeClr val="tx1"/>
+          </a:fontRef>
+        </p:style>
+      </p:cxnSp>
+      <p:sp>
+        <p:nvSpPr>
+          <p:cNvPr id="58" name="Rectangle 57"/>
+          <p:cNvSpPr/>
+          <p:nvPr/>
+        </p:nvSpPr>
+        <p:spPr>
+          <a:xfrm>
+            <a:off x="2411760" y="4077072"/>
+            <a:ext cx="216024" cy="216024"/>
+          </a:xfrm>
+          <a:prstGeom prst="rect">
+            <a:avLst/>
+          </a:prstGeom>
+          <a:solidFill>
+            <a:srgbClr val="000000">
+              <a:alpha val="0"/>
+            </a:srgbClr>
+          </a:solidFill>
+          <a:ln>
+            <a:noFill/>
+          </a:ln>
+        </p:spPr>
+        <p:style>
+          <a:lnRef idx="2">
+            <a:schemeClr val="accent1">
+              <a:shade val="50000"/>
+            </a:schemeClr>
+          </a:lnRef>
+          <a:fillRef idx="1">
+            <a:schemeClr val="accent1"/>
+          </a:fillRef>
+          <a:effectRef idx="0">
+            <a:schemeClr val="accent1"/>
+          </a:effectRef>
+          <a:fontRef idx="minor">
+            <a:schemeClr val="lt1"/>
+          </a:fontRef>
+        </p:style>
+        <p:txBody>
+          <a:bodyPr rot="0" spcFirstLastPara="0" vertOverflow="overflow" horzOverflow="overflow" vert="horz" wrap="square" lIns="91440" tIns="45720" rIns="91440" bIns="45720" numCol="1" spcCol="0" rtlCol="0" fromWordArt="0" anchor="ctr" anchorCtr="0" forceAA="0" compatLnSpc="1">
+            <a:prstTxWarp prst="textNoShape">
+              <a:avLst/>
+            </a:prstTxWarp>
+            <a:noAutofit/>
+          </a:bodyPr>
+          <a:lstStyle/>
+          <a:p>
+            <a:pPr algn="ctr"/>
+            <a:r>
+              <a:rPr lang="en-US" altLang="ko-KR" sz="1200" dirty="0" smtClean="0">
+                <a:solidFill>
+                  <a:schemeClr val="tx1"/>
+                </a:solidFill>
+              </a:rPr>
+              <a:t>N</a:t>
+            </a:r>
+            <a:endParaRPr lang="ko-KR" altLang="en-US" sz="1200" dirty="0">
+              <a:solidFill>
+                <a:schemeClr val="tx1"/>
+              </a:solidFill>
+            </a:endParaRPr>
+          </a:p>
+        </p:txBody>
+      </p:sp>
+      <p:sp>
+        <p:nvSpPr>
+          <p:cNvPr id="60" name="Rectangle 59"/>
+          <p:cNvSpPr/>
+          <p:nvPr/>
+        </p:nvSpPr>
+        <p:spPr>
+          <a:xfrm>
+            <a:off x="2505708" y="3573016"/>
+            <a:ext cx="626132" cy="216024"/>
+          </a:xfrm>
+          <a:prstGeom prst="rect">
+            <a:avLst/>
+          </a:prstGeom>
+          <a:solidFill>
+            <a:srgbClr val="000000">
+              <a:alpha val="0"/>
+            </a:srgbClr>
+          </a:solidFill>
+          <a:ln>
+            <a:noFill/>
+          </a:ln>
+        </p:spPr>
+        <p:style>
+          <a:lnRef idx="2">
+            <a:schemeClr val="accent1">
+              <a:shade val="50000"/>
+            </a:schemeClr>
+          </a:lnRef>
+          <a:fillRef idx="1">
+            <a:schemeClr val="accent1"/>
+          </a:fillRef>
+          <a:effectRef idx="0">
+            <a:schemeClr val="accent1"/>
+          </a:effectRef>
+          <a:fontRef idx="minor">
+            <a:schemeClr val="lt1"/>
+          </a:fontRef>
+        </p:style>
+        <p:txBody>
+          <a:bodyPr rot="0" spcFirstLastPara="0" vertOverflow="overflow" horzOverflow="overflow" vert="horz" wrap="square" lIns="91440" tIns="45720" rIns="91440" bIns="45720" numCol="1" spcCol="0" rtlCol="0" fromWordArt="0" anchor="ctr" anchorCtr="0" forceAA="0" compatLnSpc="1">
+            <a:prstTxWarp prst="textNoShape">
+              <a:avLst/>
+            </a:prstTxWarp>
+            <a:noAutofit/>
+          </a:bodyPr>
+          <a:lstStyle/>
+          <a:p>
+            <a:pPr algn="ctr"/>
+            <a:r>
+              <a:rPr lang="en-US" altLang="ko-KR" sz="1200" dirty="0" smtClean="0">
+                <a:solidFill>
+                  <a:schemeClr val="tx1"/>
+                </a:solidFill>
+              </a:rPr>
+              <a:t>0</a:t>
+            </a:r>
+            <a:r>
+              <a:rPr lang="en-US" altLang="ko-KR" sz="1200" dirty="0" smtClean="0">
+                <a:solidFill>
+                  <a:schemeClr val="tx1"/>
+                </a:solidFill>
+              </a:rPr>
+              <a:t>.*</a:t>
+            </a:r>
+            <a:endParaRPr lang="ko-KR" altLang="en-US" sz="1200" dirty="0">
+              <a:solidFill>
+                <a:schemeClr val="tx1"/>
+              </a:solidFill>
+            </a:endParaRPr>
+          </a:p>
+        </p:txBody>
+      </p:sp>
+      <p:sp>
+        <p:nvSpPr>
+          <p:cNvPr id="61" name="Rectangle 60"/>
+          <p:cNvSpPr/>
+          <p:nvPr/>
+        </p:nvSpPr>
+        <p:spPr>
+          <a:xfrm>
+            <a:off x="5314020" y="1916832"/>
+            <a:ext cx="626132" cy="216024"/>
+          </a:xfrm>
+          <a:prstGeom prst="rect">
+            <a:avLst/>
+          </a:prstGeom>
+          <a:solidFill>
+            <a:srgbClr val="000000">
+              <a:alpha val="0"/>
+            </a:srgbClr>
+          </a:solidFill>
+          <a:ln>
+            <a:noFill/>
+          </a:ln>
+        </p:spPr>
+        <p:style>
+          <a:lnRef idx="2">
+            <a:schemeClr val="accent1">
+              <a:shade val="50000"/>
+            </a:schemeClr>
+          </a:lnRef>
+          <a:fillRef idx="1">
+            <a:schemeClr val="accent1"/>
+          </a:fillRef>
+          <a:effectRef idx="0">
+            <a:schemeClr val="accent1"/>
+          </a:effectRef>
+          <a:fontRef idx="minor">
+            <a:schemeClr val="lt1"/>
+          </a:fontRef>
+        </p:style>
+        <p:txBody>
+          <a:bodyPr rot="0" spcFirstLastPara="0" vertOverflow="overflow" horzOverflow="overflow" vert="horz" wrap="square" lIns="91440" tIns="45720" rIns="91440" bIns="45720" numCol="1" spcCol="0" rtlCol="0" fromWordArt="0" anchor="ctr" anchorCtr="0" forceAA="0" compatLnSpc="1">
+            <a:prstTxWarp prst="textNoShape">
+              <a:avLst/>
+            </a:prstTxWarp>
+            <a:noAutofit/>
+          </a:bodyPr>
+          <a:lstStyle/>
+          <a:p>
+            <a:pPr algn="ctr"/>
+            <a:r>
+              <a:rPr lang="en-US" altLang="ko-KR" sz="1200" dirty="0" smtClean="0">
+                <a:solidFill>
+                  <a:schemeClr val="tx1"/>
+                </a:solidFill>
+              </a:rPr>
+              <a:t>0.*</a:t>
+            </a:r>
+            <a:endParaRPr lang="ko-KR" altLang="en-US" sz="1200" dirty="0">
+              <a:solidFill>
+                <a:schemeClr val="tx1"/>
+              </a:solidFill>
+            </a:endParaRPr>
+          </a:p>
+        </p:txBody>
+      </p:sp>
+      <p:sp>
+        <p:nvSpPr>
+          <p:cNvPr id="48" name="Rectangle 47"/>
+          <p:cNvSpPr/>
+          <p:nvPr/>
+        </p:nvSpPr>
+        <p:spPr>
+          <a:xfrm>
+            <a:off x="6084168" y="1988840"/>
+            <a:ext cx="216024" cy="216024"/>
+          </a:xfrm>
+          <a:prstGeom prst="rect">
+            <a:avLst/>
+          </a:prstGeom>
+          <a:solidFill>
+            <a:srgbClr val="000000">
+              <a:alpha val="0"/>
+            </a:srgbClr>
+          </a:solidFill>
+          <a:ln>
+            <a:noFill/>
+          </a:ln>
+        </p:spPr>
+        <p:style>
+          <a:lnRef idx="2">
+            <a:schemeClr val="accent1">
+              <a:shade val="50000"/>
+            </a:schemeClr>
+          </a:lnRef>
+          <a:fillRef idx="1">
+            <a:schemeClr val="accent1"/>
+          </a:fillRef>
+          <a:effectRef idx="0">
+            <a:schemeClr val="accent1"/>
+          </a:effectRef>
+          <a:fontRef idx="minor">
+            <a:schemeClr val="lt1"/>
+          </a:fontRef>
+        </p:style>
+        <p:txBody>
+          <a:bodyPr rot="0" spcFirstLastPara="0" vertOverflow="overflow" horzOverflow="overflow" vert="horz" wrap="square" lIns="91440" tIns="45720" rIns="91440" bIns="45720" numCol="1" spcCol="0" rtlCol="0" fromWordArt="0" anchor="ctr" anchorCtr="0" forceAA="0" compatLnSpc="1">
+            <a:prstTxWarp prst="textNoShape">
+              <a:avLst/>
+            </a:prstTxWarp>
+            <a:noAutofit/>
+          </a:bodyPr>
+          <a:lstStyle/>
+          <a:p>
+            <a:pPr algn="ctr"/>
+            <a:r>
+              <a:rPr lang="en-US" altLang="ko-KR" sz="1200" dirty="0">
+                <a:solidFill>
+                  <a:schemeClr val="tx1"/>
+                </a:solidFill>
+              </a:rPr>
+              <a:t>M</a:t>
+            </a:r>
+            <a:endParaRPr lang="ko-KR" altLang="en-US" sz="1200" dirty="0">
+              <a:solidFill>
+                <a:schemeClr val="tx1"/>
+              </a:solidFill>
+            </a:endParaRPr>
+          </a:p>
+        </p:txBody>
+      </p:sp>
+    </p:spTree>
+    <p:extLst>
+      <p:ext uri="{BB962C8B-B14F-4D97-AF65-F5344CB8AC3E}">
+        <p14:creationId xmlns:p14="http://schemas.microsoft.com/office/powerpoint/2010/main" val="144090250"/>
       </p:ext>
     </p:extLst>
   </p:cSld>

--- a/SQL/개념모델링_예시.pptx
+++ b/SQL/개념모델링_예시.pptx
@@ -7,6 +7,7 @@
   <p:sldIdLst>
     <p:sldId id="256" r:id="rId2"/>
     <p:sldId id="257" r:id="rId3"/>
+    <p:sldId id="258" r:id="rId4"/>
   </p:sldIdLst>
   <p:sldSz cx="9144000" cy="6858000" type="screen4x3"/>
   <p:notesSz cx="6858000" cy="9144000"/>
@@ -5258,6 +5259,309 @@
           </a:p>
         </p:txBody>
       </p:sp>
+      <p:sp>
+        <p:nvSpPr>
+          <p:cNvPr id="2" name="Title 1"/>
+          <p:cNvSpPr>
+            <a:spLocks noGrp="1"/>
+          </p:cNvSpPr>
+          <p:nvPr>
+            <p:ph type="ctrTitle"/>
+          </p:nvPr>
+        </p:nvSpPr>
+        <p:spPr>
+          <a:xfrm>
+            <a:off x="2123728" y="76180"/>
+            <a:ext cx="3816424" cy="1480612"/>
+          </a:xfrm>
+        </p:spPr>
+        <p:txBody>
+          <a:bodyPr>
+            <a:normAutofit/>
+          </a:bodyPr>
+          <a:lstStyle/>
+          <a:p>
+            <a:pPr algn="l"/>
+            <a:r>
+              <a:rPr lang="ko-KR" altLang="en-US" sz="1000" b="1" dirty="0" smtClean="0"/>
+              <a:t>회원</a:t>
+            </a:r>
+            <a:r>
+              <a:rPr lang="en-US" altLang="ko-KR" sz="1000" b="1" dirty="0" smtClean="0"/>
+              <a:t>(</a:t>
+            </a:r>
+            <a:r>
+              <a:rPr lang="ko-KR" altLang="en-US" sz="1000" b="1" dirty="0" smtClean="0"/>
+              <a:t>아이디</a:t>
+            </a:r>
+            <a:r>
+              <a:rPr lang="en-US" altLang="ko-KR" sz="1000" b="1" dirty="0" smtClean="0"/>
+              <a:t>,</a:t>
+            </a:r>
+            <a:r>
+              <a:rPr lang="ko-KR" altLang="en-US" sz="1000" b="1" dirty="0" smtClean="0"/>
+              <a:t>이름</a:t>
+            </a:r>
+            <a:r>
+              <a:rPr lang="en-US" altLang="ko-KR" sz="1000" b="1" dirty="0" smtClean="0"/>
+              <a:t>,</a:t>
+            </a:r>
+            <a:r>
+              <a:rPr lang="ko-KR" altLang="en-US" sz="1000" b="1" dirty="0" smtClean="0"/>
+              <a:t>닉네임</a:t>
+            </a:r>
+            <a:r>
+              <a:rPr lang="en-US" altLang="ko-KR" sz="1000" b="1" dirty="0" smtClean="0"/>
+              <a:t>,</a:t>
+            </a:r>
+            <a:r>
+              <a:rPr lang="ko-KR" altLang="en-US" sz="1000" b="1" dirty="0" smtClean="0"/>
+              <a:t>주소</a:t>
+            </a:r>
+            <a:r>
+              <a:rPr lang="en-US" altLang="ko-KR" sz="1000" b="1" dirty="0" smtClean="0"/>
+              <a:t>)</a:t>
+            </a:r>
+            <a:br>
+              <a:rPr lang="en-US" altLang="ko-KR" sz="1000" b="1" dirty="0" smtClean="0"/>
+            </a:br>
+            <a:r>
+              <a:rPr lang="en-US" altLang="ko-KR" sz="1000" b="1" dirty="0" smtClean="0"/>
+              <a:t/>
+            </a:r>
+            <a:br>
+              <a:rPr lang="en-US" altLang="ko-KR" sz="1000" b="1" dirty="0" smtClean="0"/>
+            </a:br>
+            <a:r>
+              <a:rPr lang="ko-KR" altLang="en-US" sz="1000" b="1" dirty="0" smtClean="0"/>
+              <a:t>구매</a:t>
+            </a:r>
+            <a:r>
+              <a:rPr lang="en-US" altLang="ko-KR" sz="1000" b="1" dirty="0" smtClean="0"/>
+              <a:t>(</a:t>
+            </a:r>
+            <a:r>
+              <a:rPr lang="ko-KR" altLang="en-US" sz="1000" b="1" dirty="0" smtClean="0"/>
+              <a:t>구매아이디</a:t>
+            </a:r>
+            <a:r>
+              <a:rPr lang="en-US" altLang="ko-KR" sz="1000" b="1" dirty="0" smtClean="0"/>
+              <a:t>, </a:t>
+            </a:r>
+            <a:r>
+              <a:rPr lang="en-US" altLang="ko-KR" sz="1000" b="1" dirty="0" err="1" smtClean="0"/>
+              <a:t>fk</a:t>
+            </a:r>
+            <a:r>
+              <a:rPr lang="en-US" altLang="ko-KR" sz="1000" b="1" dirty="0" smtClean="0"/>
+              <a:t>(</a:t>
+            </a:r>
+            <a:r>
+              <a:rPr lang="ko-KR" altLang="en-US" sz="1000" b="1" dirty="0" smtClean="0"/>
+              <a:t>아이디</a:t>
+            </a:r>
+            <a:r>
+              <a:rPr lang="en-US" altLang="ko-KR" sz="1000" b="1" dirty="0" smtClean="0"/>
+              <a:t>), </a:t>
+            </a:r>
+            <a:r>
+              <a:rPr lang="en-US" altLang="ko-KR" sz="1000" b="1" dirty="0" err="1" smtClean="0"/>
+              <a:t>fk</a:t>
+            </a:r>
+            <a:r>
+              <a:rPr lang="en-US" altLang="ko-KR" sz="1000" b="1" dirty="0" smtClean="0"/>
+              <a:t>(</a:t>
+            </a:r>
+            <a:r>
+              <a:rPr lang="ko-KR" altLang="en-US" sz="1000" b="1" dirty="0" smtClean="0"/>
+              <a:t>웹툰아이디</a:t>
+            </a:r>
+            <a:r>
+              <a:rPr lang="en-US" altLang="ko-KR" sz="1000" b="1" dirty="0" smtClean="0"/>
+              <a:t>),</a:t>
+            </a:r>
+            <a:r>
+              <a:rPr lang="ko-KR" altLang="en-US" sz="1000" b="1" dirty="0" smtClean="0"/>
+              <a:t>구매액</a:t>
+            </a:r>
+            <a:r>
+              <a:rPr lang="en-US" altLang="ko-KR" sz="1000" b="1" dirty="0" smtClean="0"/>
+              <a:t>)</a:t>
+            </a:r>
+            <a:br>
+              <a:rPr lang="en-US" altLang="ko-KR" sz="1000" b="1" dirty="0" smtClean="0"/>
+            </a:br>
+            <a:r>
+              <a:rPr lang="en-US" altLang="ko-KR" sz="1000" b="1" dirty="0" smtClean="0"/>
+              <a:t/>
+            </a:r>
+            <a:br>
+              <a:rPr lang="en-US" altLang="ko-KR" sz="1000" b="1" dirty="0" smtClean="0"/>
+            </a:br>
+            <a:r>
+              <a:rPr lang="ko-KR" altLang="en-US" sz="1000" b="1" dirty="0" smtClean="0"/>
+              <a:t>웹툰</a:t>
+            </a:r>
+            <a:r>
+              <a:rPr lang="en-US" altLang="ko-KR" sz="1000" b="1" dirty="0" smtClean="0"/>
+              <a:t>(</a:t>
+            </a:r>
+            <a:r>
+              <a:rPr lang="ko-KR" altLang="en-US" sz="1000" b="1" dirty="0" smtClean="0"/>
+              <a:t>웹툰아이디</a:t>
+            </a:r>
+            <a:r>
+              <a:rPr lang="en-US" altLang="ko-KR" sz="1000" b="1" dirty="0" smtClean="0"/>
+              <a:t>,</a:t>
+            </a:r>
+            <a:r>
+              <a:rPr lang="ko-KR" altLang="en-US" sz="1000" b="1" dirty="0" smtClean="0"/>
+              <a:t>제목</a:t>
+            </a:r>
+            <a:r>
+              <a:rPr lang="en-US" altLang="ko-KR" sz="1000" b="1" dirty="0" smtClean="0"/>
+              <a:t>,</a:t>
+            </a:r>
+            <a:r>
+              <a:rPr lang="ko-KR" altLang="en-US" sz="1000" b="1" dirty="0" smtClean="0"/>
+              <a:t>줄거리</a:t>
+            </a:r>
+            <a:r>
+              <a:rPr lang="en-US" altLang="ko-KR" sz="1000" b="1" dirty="0" smtClean="0"/>
+              <a:t>)</a:t>
+            </a:r>
+            <a:br>
+              <a:rPr lang="en-US" altLang="ko-KR" sz="1000" b="1" dirty="0" smtClean="0"/>
+            </a:br>
+            <a:r>
+              <a:rPr lang="en-US" altLang="ko-KR" sz="1000" b="1" dirty="0" smtClean="0"/>
+              <a:t/>
+            </a:r>
+            <a:br>
+              <a:rPr lang="en-US" altLang="ko-KR" sz="1000" b="1" dirty="0" smtClean="0"/>
+            </a:br>
+            <a:r>
+              <a:rPr lang="ko-KR" altLang="en-US" sz="1000" b="1" dirty="0" smtClean="0"/>
+              <a:t>구독</a:t>
+            </a:r>
+            <a:r>
+              <a:rPr lang="en-US" altLang="ko-KR" sz="1000" b="1" dirty="0" smtClean="0"/>
+              <a:t>(</a:t>
+            </a:r>
+            <a:r>
+              <a:rPr lang="ko-KR" altLang="en-US" sz="1000" b="1" dirty="0" smtClean="0"/>
+              <a:t>구독 아이디</a:t>
+            </a:r>
+            <a:r>
+              <a:rPr lang="en-US" altLang="ko-KR" sz="1000" b="1" dirty="0" smtClean="0"/>
+              <a:t>, </a:t>
+            </a:r>
+            <a:r>
+              <a:rPr lang="en-US" altLang="ko-KR" sz="1000" b="1" dirty="0" err="1" smtClean="0"/>
+              <a:t>fk</a:t>
+            </a:r>
+            <a:r>
+              <a:rPr lang="en-US" altLang="ko-KR" sz="1000" b="1" dirty="0" smtClean="0"/>
+              <a:t>(</a:t>
+            </a:r>
+            <a:r>
+              <a:rPr lang="ko-KR" altLang="en-US" sz="1000" b="1" dirty="0" smtClean="0"/>
+              <a:t>아이디</a:t>
+            </a:r>
+            <a:r>
+              <a:rPr lang="en-US" altLang="ko-KR" sz="1000" b="1" dirty="0" smtClean="0"/>
+              <a:t>),</a:t>
+            </a:r>
+            <a:r>
+              <a:rPr lang="en-US" altLang="ko-KR" sz="1000" b="1" dirty="0" err="1" smtClean="0"/>
+              <a:t>fk</a:t>
+            </a:r>
+            <a:r>
+              <a:rPr lang="en-US" altLang="ko-KR" sz="1000" b="1" dirty="0" smtClean="0"/>
+              <a:t>(</a:t>
+            </a:r>
+            <a:r>
+              <a:rPr lang="ko-KR" altLang="en-US" sz="1000" b="1" dirty="0" smtClean="0"/>
+              <a:t>웹툰아이디</a:t>
+            </a:r>
+            <a:r>
+              <a:rPr lang="en-US" altLang="ko-KR" sz="1000" b="1" dirty="0" smtClean="0"/>
+              <a:t>),</a:t>
+            </a:r>
+            <a:r>
+              <a:rPr lang="ko-KR" altLang="en-US" sz="1000" b="1" dirty="0" smtClean="0"/>
+              <a:t>구독일시</a:t>
+            </a:r>
+            <a:r>
+              <a:rPr lang="en-US" altLang="ko-KR" sz="1000" b="1" dirty="0" smtClean="0"/>
+              <a:t>)</a:t>
+            </a:r>
+            <a:br>
+              <a:rPr lang="en-US" altLang="ko-KR" sz="1000" b="1" dirty="0" smtClean="0"/>
+            </a:br>
+            <a:r>
+              <a:rPr lang="en-US" altLang="ko-KR" sz="1000" b="1" dirty="0" smtClean="0"/>
+              <a:t/>
+            </a:r>
+            <a:br>
+              <a:rPr lang="en-US" altLang="ko-KR" sz="1000" b="1" dirty="0" smtClean="0"/>
+            </a:br>
+            <a:r>
+              <a:rPr lang="ko-KR" altLang="en-US" sz="1000" b="1" dirty="0" smtClean="0"/>
+              <a:t>작가</a:t>
+            </a:r>
+            <a:r>
+              <a:rPr lang="en-US" altLang="ko-KR" sz="1000" b="1" dirty="0" smtClean="0"/>
+              <a:t>(</a:t>
+            </a:r>
+            <a:r>
+              <a:rPr lang="ko-KR" altLang="en-US" sz="1000" b="1" dirty="0" smtClean="0"/>
+              <a:t>작가아이디</a:t>
+            </a:r>
+            <a:r>
+              <a:rPr lang="en-US" altLang="ko-KR" sz="1000" b="1" dirty="0" smtClean="0"/>
+              <a:t>,</a:t>
+            </a:r>
+            <a:r>
+              <a:rPr lang="ko-KR" altLang="en-US" sz="1000" b="1" dirty="0" smtClean="0"/>
+              <a:t>이름</a:t>
+            </a:r>
+            <a:r>
+              <a:rPr lang="en-US" altLang="ko-KR" sz="1000" b="1" dirty="0" smtClean="0"/>
+              <a:t>,</a:t>
+            </a:r>
+            <a:r>
+              <a:rPr lang="ko-KR" altLang="en-US" sz="1000" b="1" dirty="0" smtClean="0"/>
+              <a:t>필명</a:t>
+            </a:r>
+            <a:r>
+              <a:rPr lang="en-US" altLang="ko-KR" sz="1000" b="1" dirty="0" smtClean="0"/>
+              <a:t>,</a:t>
+            </a:r>
+            <a:r>
+              <a:rPr lang="en-US" altLang="ko-KR" sz="1000" b="1" dirty="0" err="1" smtClean="0"/>
+              <a:t>fk</a:t>
+            </a:r>
+            <a:r>
+              <a:rPr lang="en-US" altLang="ko-KR" sz="1000" b="1" dirty="0" smtClean="0"/>
+              <a:t>(</a:t>
+            </a:r>
+            <a:r>
+              <a:rPr lang="ko-KR" altLang="en-US" sz="1000" b="1" u="sng" dirty="0" smtClean="0"/>
+              <a:t>웹툰아이디</a:t>
+            </a:r>
+            <a:r>
+              <a:rPr lang="en-US" altLang="ko-KR" sz="1000" b="1" dirty="0" smtClean="0"/>
+              <a:t>)</a:t>
+            </a:r>
+            <a:r>
+              <a:rPr lang="en-US" altLang="ko-KR" sz="1000" dirty="0" smtClean="0"/>
+              <a:t>)</a:t>
+            </a:r>
+            <a:endParaRPr lang="ko-KR" altLang="en-US" sz="1000" dirty="0"/>
+          </a:p>
+        </p:txBody>
+      </p:sp>
     </p:spTree>
     <p:extLst>
       <p:ext uri="{BB962C8B-B14F-4D97-AF65-F5344CB8AC3E}">
@@ -5855,11 +6159,6 @@
               </a:rPr>
               <a:t>디</a:t>
             </a:r>
-            <a:endParaRPr lang="ko-KR" altLang="en-US" sz="900" u="sng" dirty="0">
-              <a:solidFill>
-                <a:schemeClr val="tx1"/>
-              </a:solidFill>
-            </a:endParaRPr>
           </a:p>
         </p:txBody>
       </p:sp>
@@ -7742,15 +8041,7 @@
                   <a:schemeClr val="tx1"/>
                 </a:solidFill>
               </a:rPr>
-              <a:t>0</a:t>
-            </a:r>
-            <a:r>
-              <a:rPr lang="en-US" altLang="ko-KR" sz="1200" dirty="0" smtClean="0">
-                <a:solidFill>
-                  <a:schemeClr val="tx1"/>
-                </a:solidFill>
-              </a:rPr>
-              <a:t>.*</a:t>
+              <a:t>0.*</a:t>
             </a:r>
             <a:endParaRPr lang="ko-KR" altLang="en-US" sz="1200" dirty="0">
               <a:solidFill>
@@ -7894,6 +8185,1348 @@
     <p:extLst>
       <p:ext uri="{BB962C8B-B14F-4D97-AF65-F5344CB8AC3E}">
         <p14:creationId xmlns:p14="http://schemas.microsoft.com/office/powerpoint/2010/main" val="144090250"/>
+      </p:ext>
+    </p:extLst>
+  </p:cSld>
+  <p:clrMapOvr>
+    <a:masterClrMapping/>
+  </p:clrMapOvr>
+</p:sld>
+</file>
+
+<file path=ppt/slides/slide3.xml><?xml version="1.0" encoding="utf-8"?>
+<p:sld xmlns:a="http://schemas.openxmlformats.org/drawingml/2006/main" xmlns:r="http://schemas.openxmlformats.org/officeDocument/2006/relationships" xmlns:p="http://schemas.openxmlformats.org/presentationml/2006/main">
+  <p:cSld>
+    <p:spTree>
+      <p:nvGrpSpPr>
+        <p:cNvPr id="1" name=""/>
+        <p:cNvGrpSpPr/>
+        <p:nvPr/>
+      </p:nvGrpSpPr>
+      <p:grpSpPr>
+        <a:xfrm>
+          <a:off x="0" y="0"/>
+          <a:ext cx="0" cy="0"/>
+          <a:chOff x="0" y="0"/>
+          <a:chExt cx="0" cy="0"/>
+        </a:xfrm>
+      </p:grpSpPr>
+      <p:sp>
+        <p:nvSpPr>
+          <p:cNvPr id="4" name="Rectangle 3"/>
+          <p:cNvSpPr/>
+          <p:nvPr/>
+        </p:nvSpPr>
+        <p:spPr>
+          <a:xfrm>
+            <a:off x="5796136" y="1268760"/>
+            <a:ext cx="1008112" cy="432048"/>
+          </a:xfrm>
+          <a:prstGeom prst="rect">
+            <a:avLst/>
+          </a:prstGeom>
+          <a:solidFill>
+            <a:srgbClr val="000000">
+              <a:alpha val="0"/>
+            </a:srgbClr>
+          </a:solidFill>
+          <a:ln>
+            <a:solidFill>
+              <a:schemeClr val="tx1"/>
+            </a:solidFill>
+          </a:ln>
+        </p:spPr>
+        <p:style>
+          <a:lnRef idx="2">
+            <a:schemeClr val="accent1">
+              <a:shade val="50000"/>
+            </a:schemeClr>
+          </a:lnRef>
+          <a:fillRef idx="1">
+            <a:schemeClr val="accent1"/>
+          </a:fillRef>
+          <a:effectRef idx="0">
+            <a:schemeClr val="accent1"/>
+          </a:effectRef>
+          <a:fontRef idx="minor">
+            <a:schemeClr val="lt1"/>
+          </a:fontRef>
+        </p:style>
+        <p:txBody>
+          <a:bodyPr rtlCol="0" anchor="ctr"/>
+          <a:lstStyle/>
+          <a:p>
+            <a:pPr algn="ctr"/>
+            <a:r>
+              <a:rPr lang="ko-KR" altLang="en-US" dirty="0" smtClean="0">
+                <a:solidFill>
+                  <a:schemeClr val="tx1"/>
+                </a:solidFill>
+              </a:rPr>
+              <a:t>회</a:t>
+            </a:r>
+            <a:r>
+              <a:rPr lang="ko-KR" altLang="en-US" dirty="0">
+                <a:solidFill>
+                  <a:schemeClr val="tx1"/>
+                </a:solidFill>
+              </a:rPr>
+              <a:t>원</a:t>
+            </a:r>
+            <a:endParaRPr lang="ko-KR" altLang="en-US" dirty="0">
+              <a:solidFill>
+                <a:schemeClr val="tx1"/>
+              </a:solidFill>
+            </a:endParaRPr>
+          </a:p>
+        </p:txBody>
+      </p:sp>
+      <p:sp>
+        <p:nvSpPr>
+          <p:cNvPr id="5" name="Rectangle 4"/>
+          <p:cNvSpPr/>
+          <p:nvPr/>
+        </p:nvSpPr>
+        <p:spPr>
+          <a:xfrm>
+            <a:off x="1619672" y="1268760"/>
+            <a:ext cx="1008112" cy="432048"/>
+          </a:xfrm>
+          <a:prstGeom prst="rect">
+            <a:avLst/>
+          </a:prstGeom>
+          <a:solidFill>
+            <a:srgbClr val="000000">
+              <a:alpha val="0"/>
+            </a:srgbClr>
+          </a:solidFill>
+          <a:ln>
+            <a:solidFill>
+              <a:schemeClr val="tx1"/>
+            </a:solidFill>
+          </a:ln>
+        </p:spPr>
+        <p:style>
+          <a:lnRef idx="2">
+            <a:schemeClr val="accent1">
+              <a:shade val="50000"/>
+            </a:schemeClr>
+          </a:lnRef>
+          <a:fillRef idx="1">
+            <a:schemeClr val="accent1"/>
+          </a:fillRef>
+          <a:effectRef idx="0">
+            <a:schemeClr val="accent1"/>
+          </a:effectRef>
+          <a:fontRef idx="minor">
+            <a:schemeClr val="lt1"/>
+          </a:fontRef>
+        </p:style>
+        <p:txBody>
+          <a:bodyPr rtlCol="0" anchor="ctr"/>
+          <a:lstStyle/>
+          <a:p>
+            <a:pPr algn="ctr"/>
+            <a:r>
+              <a:rPr lang="ko-KR" altLang="en-US" dirty="0" smtClean="0">
+                <a:solidFill>
+                  <a:schemeClr val="tx1"/>
+                </a:solidFill>
+              </a:rPr>
+              <a:t>도서</a:t>
+            </a:r>
+            <a:endParaRPr lang="ko-KR" altLang="en-US" dirty="0">
+              <a:solidFill>
+                <a:schemeClr val="tx1"/>
+              </a:solidFill>
+            </a:endParaRPr>
+          </a:p>
+        </p:txBody>
+      </p:sp>
+      <p:sp>
+        <p:nvSpPr>
+          <p:cNvPr id="6" name="Diamond 5"/>
+          <p:cNvSpPr/>
+          <p:nvPr/>
+        </p:nvSpPr>
+        <p:spPr>
+          <a:xfrm>
+            <a:off x="3623072" y="980728"/>
+            <a:ext cx="1080120" cy="936104"/>
+          </a:xfrm>
+          <a:prstGeom prst="diamond">
+            <a:avLst/>
+          </a:prstGeom>
+          <a:solidFill>
+            <a:srgbClr val="000000">
+              <a:alpha val="0"/>
+            </a:srgbClr>
+          </a:solidFill>
+          <a:ln>
+            <a:solidFill>
+              <a:schemeClr val="tx1"/>
+            </a:solidFill>
+          </a:ln>
+        </p:spPr>
+        <p:style>
+          <a:lnRef idx="2">
+            <a:schemeClr val="accent1">
+              <a:shade val="50000"/>
+            </a:schemeClr>
+          </a:lnRef>
+          <a:fillRef idx="1">
+            <a:schemeClr val="accent1"/>
+          </a:fillRef>
+          <a:effectRef idx="0">
+            <a:schemeClr val="accent1"/>
+          </a:effectRef>
+          <a:fontRef idx="minor">
+            <a:schemeClr val="lt1"/>
+          </a:fontRef>
+        </p:style>
+        <p:txBody>
+          <a:bodyPr rtlCol="0" anchor="ctr"/>
+          <a:lstStyle/>
+          <a:p>
+            <a:pPr algn="ctr"/>
+            <a:r>
+              <a:rPr lang="ko-KR" altLang="en-US" sz="1400" dirty="0" smtClean="0">
+                <a:solidFill>
+                  <a:schemeClr val="tx1"/>
+                </a:solidFill>
+              </a:rPr>
+              <a:t>구매</a:t>
+            </a:r>
+            <a:endParaRPr lang="ko-KR" altLang="en-US" dirty="0">
+              <a:solidFill>
+                <a:schemeClr val="tx1"/>
+              </a:solidFill>
+            </a:endParaRPr>
+          </a:p>
+        </p:txBody>
+      </p:sp>
+      <p:cxnSp>
+        <p:nvCxnSpPr>
+          <p:cNvPr id="8" name="Straight Connector 7"/>
+          <p:cNvCxnSpPr>
+            <a:stCxn id="5" idx="3"/>
+            <a:endCxn id="6" idx="1"/>
+          </p:cNvCxnSpPr>
+          <p:nvPr/>
+        </p:nvCxnSpPr>
+        <p:spPr>
+          <a:xfrm flipV="1">
+            <a:off x="2627784" y="1448780"/>
+            <a:ext cx="995288" cy="36004"/>
+          </a:xfrm>
+          <a:prstGeom prst="line">
+            <a:avLst/>
+          </a:prstGeom>
+          <a:ln>
+            <a:solidFill>
+              <a:schemeClr val="tx1"/>
+            </a:solidFill>
+          </a:ln>
+        </p:spPr>
+        <p:style>
+          <a:lnRef idx="1">
+            <a:schemeClr val="accent1"/>
+          </a:lnRef>
+          <a:fillRef idx="0">
+            <a:schemeClr val="accent1"/>
+          </a:fillRef>
+          <a:effectRef idx="0">
+            <a:schemeClr val="accent1"/>
+          </a:effectRef>
+          <a:fontRef idx="minor">
+            <a:schemeClr val="tx1"/>
+          </a:fontRef>
+        </p:style>
+      </p:cxnSp>
+      <p:cxnSp>
+        <p:nvCxnSpPr>
+          <p:cNvPr id="10" name="Straight Connector 9"/>
+          <p:cNvCxnSpPr>
+            <a:stCxn id="6" idx="3"/>
+            <a:endCxn id="4" idx="1"/>
+          </p:cNvCxnSpPr>
+          <p:nvPr/>
+        </p:nvCxnSpPr>
+        <p:spPr>
+          <a:xfrm>
+            <a:off x="4703192" y="1448780"/>
+            <a:ext cx="1092944" cy="36004"/>
+          </a:xfrm>
+          <a:prstGeom prst="line">
+            <a:avLst/>
+          </a:prstGeom>
+          <a:ln>
+            <a:solidFill>
+              <a:schemeClr val="tx1"/>
+            </a:solidFill>
+          </a:ln>
+        </p:spPr>
+        <p:style>
+          <a:lnRef idx="1">
+            <a:schemeClr val="accent1"/>
+          </a:lnRef>
+          <a:fillRef idx="0">
+            <a:schemeClr val="accent1"/>
+          </a:fillRef>
+          <a:effectRef idx="0">
+            <a:schemeClr val="accent1"/>
+          </a:effectRef>
+          <a:fontRef idx="minor">
+            <a:schemeClr val="tx1"/>
+          </a:fontRef>
+        </p:style>
+      </p:cxnSp>
+      <p:sp>
+        <p:nvSpPr>
+          <p:cNvPr id="11" name="Rectangle 10"/>
+          <p:cNvSpPr/>
+          <p:nvPr/>
+        </p:nvSpPr>
+        <p:spPr>
+          <a:xfrm>
+            <a:off x="5508104" y="1196752"/>
+            <a:ext cx="216024" cy="216024"/>
+          </a:xfrm>
+          <a:prstGeom prst="rect">
+            <a:avLst/>
+          </a:prstGeom>
+          <a:solidFill>
+            <a:srgbClr val="000000">
+              <a:alpha val="0"/>
+            </a:srgbClr>
+          </a:solidFill>
+          <a:ln>
+            <a:noFill/>
+          </a:ln>
+        </p:spPr>
+        <p:style>
+          <a:lnRef idx="2">
+            <a:schemeClr val="accent1">
+              <a:shade val="50000"/>
+            </a:schemeClr>
+          </a:lnRef>
+          <a:fillRef idx="1">
+            <a:schemeClr val="accent1"/>
+          </a:fillRef>
+          <a:effectRef idx="0">
+            <a:schemeClr val="accent1"/>
+          </a:effectRef>
+          <a:fontRef idx="minor">
+            <a:schemeClr val="lt1"/>
+          </a:fontRef>
+        </p:style>
+        <p:txBody>
+          <a:bodyPr rot="0" spcFirstLastPara="0" vertOverflow="overflow" horzOverflow="overflow" vert="horz" wrap="square" lIns="91440" tIns="45720" rIns="91440" bIns="45720" numCol="1" spcCol="0" rtlCol="0" fromWordArt="0" anchor="ctr" anchorCtr="0" forceAA="0" compatLnSpc="1">
+            <a:prstTxWarp prst="textNoShape">
+              <a:avLst/>
+            </a:prstTxWarp>
+            <a:noAutofit/>
+          </a:bodyPr>
+          <a:lstStyle/>
+          <a:p>
+            <a:pPr algn="ctr"/>
+            <a:r>
+              <a:rPr lang="en-US" altLang="ko-KR" sz="1200" dirty="0">
+                <a:solidFill>
+                  <a:schemeClr val="tx1"/>
+                </a:solidFill>
+              </a:rPr>
+              <a:t>M</a:t>
+            </a:r>
+            <a:endParaRPr lang="ko-KR" altLang="en-US" sz="1200" dirty="0">
+              <a:solidFill>
+                <a:schemeClr val="tx1"/>
+              </a:solidFill>
+            </a:endParaRPr>
+          </a:p>
+        </p:txBody>
+      </p:sp>
+      <p:sp>
+        <p:nvSpPr>
+          <p:cNvPr id="12" name="Rectangle 11"/>
+          <p:cNvSpPr/>
+          <p:nvPr/>
+        </p:nvSpPr>
+        <p:spPr>
+          <a:xfrm>
+            <a:off x="2771800" y="1196752"/>
+            <a:ext cx="216024" cy="216024"/>
+          </a:xfrm>
+          <a:prstGeom prst="rect">
+            <a:avLst/>
+          </a:prstGeom>
+          <a:solidFill>
+            <a:srgbClr val="000000">
+              <a:alpha val="0"/>
+            </a:srgbClr>
+          </a:solidFill>
+          <a:ln>
+            <a:noFill/>
+          </a:ln>
+        </p:spPr>
+        <p:style>
+          <a:lnRef idx="2">
+            <a:schemeClr val="accent1">
+              <a:shade val="50000"/>
+            </a:schemeClr>
+          </a:lnRef>
+          <a:fillRef idx="1">
+            <a:schemeClr val="accent1"/>
+          </a:fillRef>
+          <a:effectRef idx="0">
+            <a:schemeClr val="accent1"/>
+          </a:effectRef>
+          <a:fontRef idx="minor">
+            <a:schemeClr val="lt1"/>
+          </a:fontRef>
+        </p:style>
+        <p:txBody>
+          <a:bodyPr rot="0" spcFirstLastPara="0" vertOverflow="overflow" horzOverflow="overflow" vert="horz" wrap="square" lIns="91440" tIns="45720" rIns="91440" bIns="45720" numCol="1" spcCol="0" rtlCol="0" fromWordArt="0" anchor="ctr" anchorCtr="0" forceAA="0" compatLnSpc="1">
+            <a:prstTxWarp prst="textNoShape">
+              <a:avLst/>
+            </a:prstTxWarp>
+            <a:noAutofit/>
+          </a:bodyPr>
+          <a:lstStyle/>
+          <a:p>
+            <a:pPr algn="ctr"/>
+            <a:r>
+              <a:rPr lang="en-US" altLang="ko-KR" sz="1200" dirty="0" smtClean="0">
+                <a:solidFill>
+                  <a:schemeClr val="tx1"/>
+                </a:solidFill>
+              </a:rPr>
+              <a:t>N</a:t>
+            </a:r>
+            <a:endParaRPr lang="ko-KR" altLang="en-US" sz="1200" dirty="0">
+              <a:solidFill>
+                <a:schemeClr val="tx1"/>
+              </a:solidFill>
+            </a:endParaRPr>
+          </a:p>
+        </p:txBody>
+      </p:sp>
+      <p:sp>
+        <p:nvSpPr>
+          <p:cNvPr id="13" name="Oval 12"/>
+          <p:cNvSpPr/>
+          <p:nvPr/>
+        </p:nvSpPr>
+        <p:spPr>
+          <a:xfrm>
+            <a:off x="181475" y="2348880"/>
+            <a:ext cx="1440160" cy="720080"/>
+          </a:xfrm>
+          <a:prstGeom prst="ellipse">
+            <a:avLst/>
+          </a:prstGeom>
+          <a:solidFill>
+            <a:schemeClr val="tx1">
+              <a:alpha val="0"/>
+            </a:schemeClr>
+          </a:solidFill>
+          <a:ln>
+            <a:solidFill>
+              <a:schemeClr val="tx1"/>
+            </a:solidFill>
+          </a:ln>
+        </p:spPr>
+        <p:style>
+          <a:lnRef idx="2">
+            <a:schemeClr val="accent1">
+              <a:shade val="50000"/>
+            </a:schemeClr>
+          </a:lnRef>
+          <a:fillRef idx="1">
+            <a:schemeClr val="accent1"/>
+          </a:fillRef>
+          <a:effectRef idx="0">
+            <a:schemeClr val="accent1"/>
+          </a:effectRef>
+          <a:fontRef idx="minor">
+            <a:schemeClr val="lt1"/>
+          </a:fontRef>
+        </p:style>
+        <p:txBody>
+          <a:bodyPr rot="0" spcFirstLastPara="0" vertOverflow="overflow" horzOverflow="overflow" vert="horz" wrap="square" lIns="91440" tIns="45720" rIns="91440" bIns="45720" numCol="1" spcCol="0" rtlCol="0" fromWordArt="0" anchor="ctr" anchorCtr="0" forceAA="0" compatLnSpc="1">
+            <a:prstTxWarp prst="textNoShape">
+              <a:avLst/>
+            </a:prstTxWarp>
+            <a:noAutofit/>
+          </a:bodyPr>
+          <a:lstStyle/>
+          <a:p>
+            <a:pPr algn="ctr"/>
+            <a:r>
+              <a:rPr lang="ko-KR" altLang="en-US" sz="1200" u="sng" dirty="0" smtClean="0">
+                <a:solidFill>
+                  <a:schemeClr val="tx1"/>
+                </a:solidFill>
+              </a:rPr>
+              <a:t>도서아이</a:t>
+            </a:r>
+            <a:r>
+              <a:rPr lang="ko-KR" altLang="en-US" sz="1200" u="sng" dirty="0">
+                <a:solidFill>
+                  <a:schemeClr val="tx1"/>
+                </a:solidFill>
+              </a:rPr>
+              <a:t>디</a:t>
+            </a:r>
+            <a:endParaRPr lang="ko-KR" altLang="en-US" sz="1200" u="sng" dirty="0">
+              <a:solidFill>
+                <a:schemeClr val="tx1"/>
+              </a:solidFill>
+            </a:endParaRPr>
+          </a:p>
+        </p:txBody>
+      </p:sp>
+      <p:sp>
+        <p:nvSpPr>
+          <p:cNvPr id="14" name="Oval 13"/>
+          <p:cNvSpPr/>
+          <p:nvPr/>
+        </p:nvSpPr>
+        <p:spPr>
+          <a:xfrm>
+            <a:off x="1761700" y="2348880"/>
+            <a:ext cx="1440160" cy="720080"/>
+          </a:xfrm>
+          <a:prstGeom prst="ellipse">
+            <a:avLst/>
+          </a:prstGeom>
+          <a:solidFill>
+            <a:schemeClr val="tx1">
+              <a:alpha val="0"/>
+            </a:schemeClr>
+          </a:solidFill>
+          <a:ln>
+            <a:solidFill>
+              <a:schemeClr val="tx1"/>
+            </a:solidFill>
+          </a:ln>
+        </p:spPr>
+        <p:style>
+          <a:lnRef idx="2">
+            <a:schemeClr val="accent1">
+              <a:shade val="50000"/>
+            </a:schemeClr>
+          </a:lnRef>
+          <a:fillRef idx="1">
+            <a:schemeClr val="accent1"/>
+          </a:fillRef>
+          <a:effectRef idx="0">
+            <a:schemeClr val="accent1"/>
+          </a:effectRef>
+          <a:fontRef idx="minor">
+            <a:schemeClr val="lt1"/>
+          </a:fontRef>
+        </p:style>
+        <p:txBody>
+          <a:bodyPr rot="0" spcFirstLastPara="0" vertOverflow="overflow" horzOverflow="overflow" vert="horz" wrap="square" lIns="91440" tIns="45720" rIns="91440" bIns="45720" numCol="1" spcCol="0" rtlCol="0" fromWordArt="0" anchor="ctr" anchorCtr="0" forceAA="0" compatLnSpc="1">
+            <a:prstTxWarp prst="textNoShape">
+              <a:avLst/>
+            </a:prstTxWarp>
+            <a:noAutofit/>
+          </a:bodyPr>
+          <a:lstStyle/>
+          <a:p>
+            <a:pPr algn="ctr"/>
+            <a:r>
+              <a:rPr lang="ko-KR" altLang="en-US" sz="1200" dirty="0" smtClean="0">
+                <a:solidFill>
+                  <a:schemeClr val="tx1"/>
+                </a:solidFill>
+              </a:rPr>
+              <a:t>책이름</a:t>
+            </a:r>
+            <a:endParaRPr lang="ko-KR" altLang="en-US" sz="1200" dirty="0">
+              <a:solidFill>
+                <a:schemeClr val="tx1"/>
+              </a:solidFill>
+            </a:endParaRPr>
+          </a:p>
+        </p:txBody>
+      </p:sp>
+      <p:sp>
+        <p:nvSpPr>
+          <p:cNvPr id="15" name="Oval 14"/>
+          <p:cNvSpPr/>
+          <p:nvPr/>
+        </p:nvSpPr>
+        <p:spPr>
+          <a:xfrm>
+            <a:off x="1819935" y="3645024"/>
+            <a:ext cx="1440160" cy="720080"/>
+          </a:xfrm>
+          <a:prstGeom prst="ellipse">
+            <a:avLst/>
+          </a:prstGeom>
+          <a:solidFill>
+            <a:schemeClr val="tx1">
+              <a:alpha val="0"/>
+            </a:schemeClr>
+          </a:solidFill>
+          <a:ln>
+            <a:solidFill>
+              <a:schemeClr val="tx1"/>
+            </a:solidFill>
+          </a:ln>
+        </p:spPr>
+        <p:style>
+          <a:lnRef idx="2">
+            <a:schemeClr val="accent1">
+              <a:shade val="50000"/>
+            </a:schemeClr>
+          </a:lnRef>
+          <a:fillRef idx="1">
+            <a:schemeClr val="accent1"/>
+          </a:fillRef>
+          <a:effectRef idx="0">
+            <a:schemeClr val="accent1"/>
+          </a:effectRef>
+          <a:fontRef idx="minor">
+            <a:schemeClr val="lt1"/>
+          </a:fontRef>
+        </p:style>
+        <p:txBody>
+          <a:bodyPr rot="0" spcFirstLastPara="0" vertOverflow="overflow" horzOverflow="overflow" vert="horz" wrap="square" lIns="91440" tIns="45720" rIns="91440" bIns="45720" numCol="1" spcCol="0" rtlCol="0" fromWordArt="0" anchor="ctr" anchorCtr="0" forceAA="0" compatLnSpc="1">
+            <a:prstTxWarp prst="textNoShape">
+              <a:avLst/>
+            </a:prstTxWarp>
+            <a:noAutofit/>
+          </a:bodyPr>
+          <a:lstStyle/>
+          <a:p>
+            <a:pPr algn="ctr"/>
+            <a:r>
+              <a:rPr lang="ko-KR" altLang="en-US" sz="1200" u="sng" dirty="0" smtClean="0">
+                <a:solidFill>
+                  <a:schemeClr val="tx1"/>
+                </a:solidFill>
+              </a:rPr>
+              <a:t>구매아이</a:t>
+            </a:r>
+            <a:r>
+              <a:rPr lang="ko-KR" altLang="en-US" sz="1200" u="sng" dirty="0">
+                <a:solidFill>
+                  <a:schemeClr val="tx1"/>
+                </a:solidFill>
+              </a:rPr>
+              <a:t>디</a:t>
+            </a:r>
+            <a:endParaRPr lang="ko-KR" altLang="en-US" sz="1200" u="sng" dirty="0">
+              <a:solidFill>
+                <a:schemeClr val="tx1"/>
+              </a:solidFill>
+            </a:endParaRPr>
+          </a:p>
+        </p:txBody>
+      </p:sp>
+      <p:sp>
+        <p:nvSpPr>
+          <p:cNvPr id="16" name="Oval 15"/>
+          <p:cNvSpPr/>
+          <p:nvPr/>
+        </p:nvSpPr>
+        <p:spPr>
+          <a:xfrm>
+            <a:off x="3491880" y="3645024"/>
+            <a:ext cx="1440160" cy="720080"/>
+          </a:xfrm>
+          <a:prstGeom prst="ellipse">
+            <a:avLst/>
+          </a:prstGeom>
+          <a:solidFill>
+            <a:schemeClr val="tx1">
+              <a:alpha val="0"/>
+            </a:schemeClr>
+          </a:solidFill>
+          <a:ln>
+            <a:solidFill>
+              <a:schemeClr val="tx1"/>
+            </a:solidFill>
+          </a:ln>
+        </p:spPr>
+        <p:style>
+          <a:lnRef idx="2">
+            <a:schemeClr val="accent1">
+              <a:shade val="50000"/>
+            </a:schemeClr>
+          </a:lnRef>
+          <a:fillRef idx="1">
+            <a:schemeClr val="accent1"/>
+          </a:fillRef>
+          <a:effectRef idx="0">
+            <a:schemeClr val="accent1"/>
+          </a:effectRef>
+          <a:fontRef idx="minor">
+            <a:schemeClr val="lt1"/>
+          </a:fontRef>
+        </p:style>
+        <p:txBody>
+          <a:bodyPr rot="0" spcFirstLastPara="0" vertOverflow="overflow" horzOverflow="overflow" vert="horz" wrap="square" lIns="91440" tIns="45720" rIns="91440" bIns="45720" numCol="1" spcCol="0" rtlCol="0" fromWordArt="0" anchor="ctr" anchorCtr="0" forceAA="0" compatLnSpc="1">
+            <a:prstTxWarp prst="textNoShape">
+              <a:avLst/>
+            </a:prstTxWarp>
+            <a:noAutofit/>
+          </a:bodyPr>
+          <a:lstStyle/>
+          <a:p>
+            <a:pPr algn="ctr"/>
+            <a:r>
+              <a:rPr lang="ko-KR" altLang="en-US" sz="1200" dirty="0" smtClean="0">
+                <a:solidFill>
+                  <a:schemeClr val="tx1"/>
+                </a:solidFill>
+              </a:rPr>
+              <a:t>구매가격</a:t>
+            </a:r>
+            <a:endParaRPr lang="ko-KR" altLang="en-US" sz="1200" dirty="0">
+              <a:solidFill>
+                <a:schemeClr val="tx1"/>
+              </a:solidFill>
+            </a:endParaRPr>
+          </a:p>
+        </p:txBody>
+      </p:sp>
+      <p:sp>
+        <p:nvSpPr>
+          <p:cNvPr id="17" name="Oval 16"/>
+          <p:cNvSpPr/>
+          <p:nvPr/>
+        </p:nvSpPr>
+        <p:spPr>
+          <a:xfrm>
+            <a:off x="5089861" y="3600636"/>
+            <a:ext cx="1440160" cy="720080"/>
+          </a:xfrm>
+          <a:prstGeom prst="ellipse">
+            <a:avLst/>
+          </a:prstGeom>
+          <a:solidFill>
+            <a:schemeClr val="tx1">
+              <a:alpha val="0"/>
+            </a:schemeClr>
+          </a:solidFill>
+          <a:ln>
+            <a:solidFill>
+              <a:schemeClr val="tx1"/>
+            </a:solidFill>
+          </a:ln>
+        </p:spPr>
+        <p:style>
+          <a:lnRef idx="2">
+            <a:schemeClr val="accent1">
+              <a:shade val="50000"/>
+            </a:schemeClr>
+          </a:lnRef>
+          <a:fillRef idx="1">
+            <a:schemeClr val="accent1"/>
+          </a:fillRef>
+          <a:effectRef idx="0">
+            <a:schemeClr val="accent1"/>
+          </a:effectRef>
+          <a:fontRef idx="minor">
+            <a:schemeClr val="lt1"/>
+          </a:fontRef>
+        </p:style>
+        <p:txBody>
+          <a:bodyPr rot="0" spcFirstLastPara="0" vertOverflow="overflow" horzOverflow="overflow" vert="horz" wrap="square" lIns="91440" tIns="45720" rIns="91440" bIns="45720" numCol="1" spcCol="0" rtlCol="0" fromWordArt="0" anchor="ctr" anchorCtr="0" forceAA="0" compatLnSpc="1">
+            <a:prstTxWarp prst="textNoShape">
+              <a:avLst/>
+            </a:prstTxWarp>
+            <a:noAutofit/>
+          </a:bodyPr>
+          <a:lstStyle/>
+          <a:p>
+            <a:pPr algn="ctr"/>
+            <a:r>
+              <a:rPr lang="ko-KR" altLang="en-US" sz="1200" smtClean="0">
+                <a:solidFill>
+                  <a:schemeClr val="tx1"/>
+                </a:solidFill>
+              </a:rPr>
+              <a:t>구매날짜</a:t>
+            </a:r>
+            <a:endParaRPr lang="ko-KR" altLang="en-US" sz="1200" dirty="0">
+              <a:solidFill>
+                <a:schemeClr val="tx1"/>
+              </a:solidFill>
+            </a:endParaRPr>
+          </a:p>
+        </p:txBody>
+      </p:sp>
+      <p:sp>
+        <p:nvSpPr>
+          <p:cNvPr id="18" name="Oval 17"/>
+          <p:cNvSpPr/>
+          <p:nvPr/>
+        </p:nvSpPr>
+        <p:spPr>
+          <a:xfrm>
+            <a:off x="5018111" y="2277859"/>
+            <a:ext cx="1440160" cy="720080"/>
+          </a:xfrm>
+          <a:prstGeom prst="ellipse">
+            <a:avLst/>
+          </a:prstGeom>
+          <a:solidFill>
+            <a:schemeClr val="tx1">
+              <a:alpha val="0"/>
+            </a:schemeClr>
+          </a:solidFill>
+          <a:ln>
+            <a:solidFill>
+              <a:schemeClr val="tx1"/>
+            </a:solidFill>
+          </a:ln>
+        </p:spPr>
+        <p:style>
+          <a:lnRef idx="2">
+            <a:schemeClr val="accent1">
+              <a:shade val="50000"/>
+            </a:schemeClr>
+          </a:lnRef>
+          <a:fillRef idx="1">
+            <a:schemeClr val="accent1"/>
+          </a:fillRef>
+          <a:effectRef idx="0">
+            <a:schemeClr val="accent1"/>
+          </a:effectRef>
+          <a:fontRef idx="minor">
+            <a:schemeClr val="lt1"/>
+          </a:fontRef>
+        </p:style>
+        <p:txBody>
+          <a:bodyPr rot="0" spcFirstLastPara="0" vertOverflow="overflow" horzOverflow="overflow" vert="horz" wrap="square" lIns="91440" tIns="45720" rIns="91440" bIns="45720" numCol="1" spcCol="0" rtlCol="0" fromWordArt="0" anchor="ctr" anchorCtr="0" forceAA="0" compatLnSpc="1">
+            <a:prstTxWarp prst="textNoShape">
+              <a:avLst/>
+            </a:prstTxWarp>
+            <a:noAutofit/>
+          </a:bodyPr>
+          <a:lstStyle/>
+          <a:p>
+            <a:pPr algn="ctr"/>
+            <a:r>
+              <a:rPr lang="ko-KR" altLang="en-US" sz="1200" u="sng" dirty="0" smtClean="0">
+                <a:solidFill>
+                  <a:schemeClr val="tx1"/>
+                </a:solidFill>
+              </a:rPr>
+              <a:t>회원아이</a:t>
+            </a:r>
+            <a:r>
+              <a:rPr lang="ko-KR" altLang="en-US" sz="1200" u="sng" dirty="0">
+                <a:solidFill>
+                  <a:schemeClr val="tx1"/>
+                </a:solidFill>
+              </a:rPr>
+              <a:t>디</a:t>
+            </a:r>
+            <a:endParaRPr lang="ko-KR" altLang="en-US" sz="1200" u="sng" dirty="0">
+              <a:solidFill>
+                <a:schemeClr val="tx1"/>
+              </a:solidFill>
+            </a:endParaRPr>
+          </a:p>
+        </p:txBody>
+      </p:sp>
+      <p:sp>
+        <p:nvSpPr>
+          <p:cNvPr id="19" name="Oval 18"/>
+          <p:cNvSpPr/>
+          <p:nvPr/>
+        </p:nvSpPr>
+        <p:spPr>
+          <a:xfrm>
+            <a:off x="6616092" y="2268982"/>
+            <a:ext cx="1440160" cy="720080"/>
+          </a:xfrm>
+          <a:prstGeom prst="ellipse">
+            <a:avLst/>
+          </a:prstGeom>
+          <a:solidFill>
+            <a:schemeClr val="tx1">
+              <a:alpha val="0"/>
+            </a:schemeClr>
+          </a:solidFill>
+          <a:ln>
+            <a:solidFill>
+              <a:schemeClr val="tx1"/>
+            </a:solidFill>
+          </a:ln>
+        </p:spPr>
+        <p:style>
+          <a:lnRef idx="2">
+            <a:schemeClr val="accent1">
+              <a:shade val="50000"/>
+            </a:schemeClr>
+          </a:lnRef>
+          <a:fillRef idx="1">
+            <a:schemeClr val="accent1"/>
+          </a:fillRef>
+          <a:effectRef idx="0">
+            <a:schemeClr val="accent1"/>
+          </a:effectRef>
+          <a:fontRef idx="minor">
+            <a:schemeClr val="lt1"/>
+          </a:fontRef>
+        </p:style>
+        <p:txBody>
+          <a:bodyPr rot="0" spcFirstLastPara="0" vertOverflow="overflow" horzOverflow="overflow" vert="horz" wrap="square" lIns="91440" tIns="45720" rIns="91440" bIns="45720" numCol="1" spcCol="0" rtlCol="0" fromWordArt="0" anchor="ctr" anchorCtr="0" forceAA="0" compatLnSpc="1">
+            <a:prstTxWarp prst="textNoShape">
+              <a:avLst/>
+            </a:prstTxWarp>
+            <a:noAutofit/>
+          </a:bodyPr>
+          <a:lstStyle/>
+          <a:p>
+            <a:pPr algn="ctr"/>
+            <a:r>
+              <a:rPr lang="ko-KR" altLang="en-US" sz="1200" dirty="0" smtClean="0">
+                <a:solidFill>
+                  <a:schemeClr val="tx1"/>
+                </a:solidFill>
+              </a:rPr>
+              <a:t>이</a:t>
+            </a:r>
+            <a:r>
+              <a:rPr lang="ko-KR" altLang="en-US" sz="1200" dirty="0">
+                <a:solidFill>
+                  <a:schemeClr val="tx1"/>
+                </a:solidFill>
+              </a:rPr>
+              <a:t>름</a:t>
+            </a:r>
+            <a:endParaRPr lang="ko-KR" altLang="en-US" sz="1200" dirty="0">
+              <a:solidFill>
+                <a:schemeClr val="tx1"/>
+              </a:solidFill>
+            </a:endParaRPr>
+          </a:p>
+        </p:txBody>
+      </p:sp>
+      <p:cxnSp>
+        <p:nvCxnSpPr>
+          <p:cNvPr id="21" name="Straight Connector 20"/>
+          <p:cNvCxnSpPr>
+            <a:stCxn id="5" idx="2"/>
+            <a:endCxn id="13" idx="0"/>
+          </p:cNvCxnSpPr>
+          <p:nvPr/>
+        </p:nvCxnSpPr>
+        <p:spPr>
+          <a:xfrm flipH="1">
+            <a:off x="901555" y="1700808"/>
+            <a:ext cx="1222173" cy="648072"/>
+          </a:xfrm>
+          <a:prstGeom prst="line">
+            <a:avLst/>
+          </a:prstGeom>
+          <a:ln>
+            <a:solidFill>
+              <a:schemeClr val="tx1"/>
+            </a:solidFill>
+          </a:ln>
+        </p:spPr>
+        <p:style>
+          <a:lnRef idx="1">
+            <a:schemeClr val="accent1"/>
+          </a:lnRef>
+          <a:fillRef idx="0">
+            <a:schemeClr val="accent1"/>
+          </a:fillRef>
+          <a:effectRef idx="0">
+            <a:schemeClr val="accent1"/>
+          </a:effectRef>
+          <a:fontRef idx="minor">
+            <a:schemeClr val="tx1"/>
+          </a:fontRef>
+        </p:style>
+      </p:cxnSp>
+      <p:cxnSp>
+        <p:nvCxnSpPr>
+          <p:cNvPr id="23" name="Straight Connector 22"/>
+          <p:cNvCxnSpPr>
+            <a:stCxn id="5" idx="2"/>
+            <a:endCxn id="14" idx="0"/>
+          </p:cNvCxnSpPr>
+          <p:nvPr/>
+        </p:nvCxnSpPr>
+        <p:spPr>
+          <a:xfrm>
+            <a:off x="2123728" y="1700808"/>
+            <a:ext cx="358052" cy="648072"/>
+          </a:xfrm>
+          <a:prstGeom prst="line">
+            <a:avLst/>
+          </a:prstGeom>
+          <a:ln>
+            <a:solidFill>
+              <a:schemeClr val="tx1"/>
+            </a:solidFill>
+          </a:ln>
+        </p:spPr>
+        <p:style>
+          <a:lnRef idx="1">
+            <a:schemeClr val="accent1"/>
+          </a:lnRef>
+          <a:fillRef idx="0">
+            <a:schemeClr val="accent1"/>
+          </a:fillRef>
+          <a:effectRef idx="0">
+            <a:schemeClr val="accent1"/>
+          </a:effectRef>
+          <a:fontRef idx="minor">
+            <a:schemeClr val="tx1"/>
+          </a:fontRef>
+        </p:style>
+      </p:cxnSp>
+      <p:cxnSp>
+        <p:nvCxnSpPr>
+          <p:cNvPr id="25" name="Straight Connector 24"/>
+          <p:cNvCxnSpPr>
+            <a:stCxn id="6" idx="2"/>
+            <a:endCxn id="15" idx="0"/>
+          </p:cNvCxnSpPr>
+          <p:nvPr/>
+        </p:nvCxnSpPr>
+        <p:spPr>
+          <a:xfrm flipH="1">
+            <a:off x="2540015" y="1916832"/>
+            <a:ext cx="1623117" cy="1728192"/>
+          </a:xfrm>
+          <a:prstGeom prst="line">
+            <a:avLst/>
+          </a:prstGeom>
+          <a:ln>
+            <a:solidFill>
+              <a:schemeClr val="tx1"/>
+            </a:solidFill>
+          </a:ln>
+        </p:spPr>
+        <p:style>
+          <a:lnRef idx="1">
+            <a:schemeClr val="accent1"/>
+          </a:lnRef>
+          <a:fillRef idx="0">
+            <a:schemeClr val="accent1"/>
+          </a:fillRef>
+          <a:effectRef idx="0">
+            <a:schemeClr val="accent1"/>
+          </a:effectRef>
+          <a:fontRef idx="minor">
+            <a:schemeClr val="tx1"/>
+          </a:fontRef>
+        </p:style>
+      </p:cxnSp>
+      <p:cxnSp>
+        <p:nvCxnSpPr>
+          <p:cNvPr id="27" name="Straight Connector 26"/>
+          <p:cNvCxnSpPr>
+            <a:stCxn id="6" idx="2"/>
+            <a:endCxn id="16" idx="0"/>
+          </p:cNvCxnSpPr>
+          <p:nvPr/>
+        </p:nvCxnSpPr>
+        <p:spPr>
+          <a:xfrm>
+            <a:off x="4163132" y="1916832"/>
+            <a:ext cx="48828" cy="1728192"/>
+          </a:xfrm>
+          <a:prstGeom prst="line">
+            <a:avLst/>
+          </a:prstGeom>
+          <a:ln>
+            <a:solidFill>
+              <a:schemeClr val="tx1"/>
+            </a:solidFill>
+          </a:ln>
+        </p:spPr>
+        <p:style>
+          <a:lnRef idx="1">
+            <a:schemeClr val="accent1"/>
+          </a:lnRef>
+          <a:fillRef idx="0">
+            <a:schemeClr val="accent1"/>
+          </a:fillRef>
+          <a:effectRef idx="0">
+            <a:schemeClr val="accent1"/>
+          </a:effectRef>
+          <a:fontRef idx="minor">
+            <a:schemeClr val="tx1"/>
+          </a:fontRef>
+        </p:style>
+      </p:cxnSp>
+      <p:cxnSp>
+        <p:nvCxnSpPr>
+          <p:cNvPr id="29" name="Straight Connector 28"/>
+          <p:cNvCxnSpPr>
+            <a:stCxn id="6" idx="2"/>
+            <a:endCxn id="17" idx="0"/>
+          </p:cNvCxnSpPr>
+          <p:nvPr/>
+        </p:nvCxnSpPr>
+        <p:spPr>
+          <a:xfrm>
+            <a:off x="4163132" y="1916832"/>
+            <a:ext cx="1646809" cy="1683804"/>
+          </a:xfrm>
+          <a:prstGeom prst="line">
+            <a:avLst/>
+          </a:prstGeom>
+          <a:ln>
+            <a:solidFill>
+              <a:schemeClr val="tx1"/>
+            </a:solidFill>
+          </a:ln>
+        </p:spPr>
+        <p:style>
+          <a:lnRef idx="1">
+            <a:schemeClr val="accent1"/>
+          </a:lnRef>
+          <a:fillRef idx="0">
+            <a:schemeClr val="accent1"/>
+          </a:fillRef>
+          <a:effectRef idx="0">
+            <a:schemeClr val="accent1"/>
+          </a:effectRef>
+          <a:fontRef idx="minor">
+            <a:schemeClr val="tx1"/>
+          </a:fontRef>
+        </p:style>
+      </p:cxnSp>
+      <p:cxnSp>
+        <p:nvCxnSpPr>
+          <p:cNvPr id="31" name="Straight Connector 30"/>
+          <p:cNvCxnSpPr>
+            <a:stCxn id="4" idx="2"/>
+            <a:endCxn id="18" idx="0"/>
+          </p:cNvCxnSpPr>
+          <p:nvPr/>
+        </p:nvCxnSpPr>
+        <p:spPr>
+          <a:xfrm flipH="1">
+            <a:off x="5738191" y="1700808"/>
+            <a:ext cx="562001" cy="577051"/>
+          </a:xfrm>
+          <a:prstGeom prst="line">
+            <a:avLst/>
+          </a:prstGeom>
+          <a:ln>
+            <a:solidFill>
+              <a:schemeClr val="tx1"/>
+            </a:solidFill>
+          </a:ln>
+        </p:spPr>
+        <p:style>
+          <a:lnRef idx="1">
+            <a:schemeClr val="accent1"/>
+          </a:lnRef>
+          <a:fillRef idx="0">
+            <a:schemeClr val="accent1"/>
+          </a:fillRef>
+          <a:effectRef idx="0">
+            <a:schemeClr val="accent1"/>
+          </a:effectRef>
+          <a:fontRef idx="minor">
+            <a:schemeClr val="tx1"/>
+          </a:fontRef>
+        </p:style>
+      </p:cxnSp>
+      <p:cxnSp>
+        <p:nvCxnSpPr>
+          <p:cNvPr id="33" name="Straight Connector 32"/>
+          <p:cNvCxnSpPr>
+            <a:stCxn id="4" idx="2"/>
+            <a:endCxn id="19" idx="0"/>
+          </p:cNvCxnSpPr>
+          <p:nvPr/>
+        </p:nvCxnSpPr>
+        <p:spPr>
+          <a:xfrm>
+            <a:off x="6300192" y="1700808"/>
+            <a:ext cx="1035980" cy="568174"/>
+          </a:xfrm>
+          <a:prstGeom prst="line">
+            <a:avLst/>
+          </a:prstGeom>
+          <a:ln>
+            <a:solidFill>
+              <a:schemeClr val="tx1"/>
+            </a:solidFill>
+          </a:ln>
+        </p:spPr>
+        <p:style>
+          <a:lnRef idx="1">
+            <a:schemeClr val="accent1"/>
+          </a:lnRef>
+          <a:fillRef idx="0">
+            <a:schemeClr val="accent1"/>
+          </a:fillRef>
+          <a:effectRef idx="0">
+            <a:schemeClr val="accent1"/>
+          </a:effectRef>
+          <a:fontRef idx="minor">
+            <a:schemeClr val="tx1"/>
+          </a:fontRef>
+        </p:style>
+      </p:cxnSp>
+      <p:sp>
+        <p:nvSpPr>
+          <p:cNvPr id="40" name="Title 1"/>
+          <p:cNvSpPr txBox="1">
+            <a:spLocks/>
+          </p:cNvSpPr>
+          <p:nvPr/>
+        </p:nvSpPr>
+        <p:spPr>
+          <a:xfrm>
+            <a:off x="2483768" y="4756700"/>
+            <a:ext cx="5184576" cy="1480612"/>
+          </a:xfrm>
+          <a:prstGeom prst="rect">
+            <a:avLst/>
+          </a:prstGeom>
+        </p:spPr>
+        <p:txBody>
+          <a:bodyPr vert="horz" lIns="91440" tIns="45720" rIns="91440" bIns="45720" rtlCol="0" anchor="ctr">
+            <a:normAutofit/>
+          </a:bodyPr>
+          <a:lstStyle>
+            <a:lvl1pPr algn="ctr" defTabSz="914400" rtl="0" eaLnBrk="1" latinLnBrk="1" hangingPunct="1">
+              <a:spcBef>
+                <a:spcPct val="0"/>
+              </a:spcBef>
+              <a:buNone/>
+              <a:defRPr sz="4400" kern="1200">
+                <a:solidFill>
+                  <a:schemeClr val="tx1"/>
+                </a:solidFill>
+                <a:latin typeface="+mj-lt"/>
+                <a:ea typeface="+mj-ea"/>
+                <a:cs typeface="+mj-cs"/>
+              </a:defRPr>
+            </a:lvl1pPr>
+          </a:lstStyle>
+          <a:p>
+            <a:pPr algn="l"/>
+            <a:r>
+              <a:rPr lang="ko-KR" altLang="en-US" sz="1200" b="1" dirty="0" smtClean="0"/>
+              <a:t>도서</a:t>
+            </a:r>
+            <a:r>
+              <a:rPr lang="en-US" altLang="ko-KR" sz="1200" b="1" dirty="0" smtClean="0"/>
+              <a:t>(</a:t>
+            </a:r>
+            <a:r>
+              <a:rPr lang="ko-KR" altLang="en-US" sz="1200" b="1" u="sng" dirty="0" smtClean="0"/>
+              <a:t>도서아이디</a:t>
+            </a:r>
+            <a:r>
+              <a:rPr lang="en-US" altLang="ko-KR" sz="1200" b="1" dirty="0" smtClean="0"/>
+              <a:t>,</a:t>
+            </a:r>
+            <a:r>
+              <a:rPr lang="ko-KR" altLang="en-US" sz="1200" b="1" dirty="0" smtClean="0"/>
+              <a:t>책이름</a:t>
+            </a:r>
+            <a:r>
+              <a:rPr lang="en-US" altLang="ko-KR" sz="1200" b="1" dirty="0" smtClean="0"/>
+              <a:t>)</a:t>
+            </a:r>
+          </a:p>
+          <a:p>
+            <a:pPr algn="l"/>
+            <a:r>
+              <a:rPr lang="ko-KR" altLang="en-US" sz="1200" b="1" dirty="0" smtClean="0"/>
+              <a:t>구매</a:t>
+            </a:r>
+            <a:r>
+              <a:rPr lang="en-US" altLang="ko-KR" sz="1200" b="1" dirty="0" smtClean="0"/>
+              <a:t>(</a:t>
+            </a:r>
+            <a:r>
+              <a:rPr lang="ko-KR" altLang="en-US" sz="1200" b="1" u="sng" dirty="0" smtClean="0"/>
+              <a:t>구매아이디</a:t>
+            </a:r>
+            <a:r>
+              <a:rPr lang="en-US" altLang="ko-KR" sz="1200" b="1" dirty="0" smtClean="0"/>
+              <a:t>,</a:t>
+            </a:r>
+            <a:r>
+              <a:rPr lang="ko-KR" altLang="en-US" sz="1200" b="1" dirty="0" smtClean="0"/>
+              <a:t>구매액</a:t>
+            </a:r>
+            <a:r>
+              <a:rPr lang="en-US" altLang="ko-KR" sz="1200" b="1" dirty="0" smtClean="0"/>
+              <a:t>,</a:t>
+            </a:r>
+            <a:r>
+              <a:rPr lang="ko-KR" altLang="en-US" sz="1200" b="1" dirty="0" smtClean="0"/>
+              <a:t>구매날짜</a:t>
+            </a:r>
+            <a:r>
+              <a:rPr lang="en-US" altLang="ko-KR" sz="1200" b="1" dirty="0" smtClean="0"/>
+              <a:t>,</a:t>
+            </a:r>
+            <a:r>
+              <a:rPr lang="ko-KR" altLang="en-US" sz="1200" b="1" dirty="0" smtClean="0"/>
+              <a:t>도서아이디</a:t>
+            </a:r>
+            <a:r>
+              <a:rPr lang="en-US" altLang="ko-KR" sz="1200" b="1" dirty="0" smtClean="0"/>
+              <a:t>,</a:t>
+            </a:r>
+            <a:r>
+              <a:rPr lang="ko-KR" altLang="en-US" sz="1200" b="1" dirty="0" smtClean="0"/>
+              <a:t>회원아이디</a:t>
+            </a:r>
+            <a:r>
+              <a:rPr lang="en-US" altLang="ko-KR" sz="1200" b="1" dirty="0" smtClean="0"/>
+              <a:t>)</a:t>
+            </a:r>
+          </a:p>
+          <a:p>
+            <a:pPr algn="l"/>
+            <a:r>
+              <a:rPr lang="ko-KR" altLang="en-US" sz="1200" b="1" dirty="0" smtClean="0"/>
+              <a:t>회원</a:t>
+            </a:r>
+            <a:r>
+              <a:rPr lang="en-US" altLang="ko-KR" sz="1200" b="1" dirty="0" smtClean="0"/>
+              <a:t>(</a:t>
+            </a:r>
+            <a:r>
+              <a:rPr lang="ko-KR" altLang="en-US" sz="1200" b="1" u="sng" dirty="0" smtClean="0"/>
+              <a:t>회원아이디</a:t>
+            </a:r>
+            <a:r>
+              <a:rPr lang="en-US" altLang="ko-KR" sz="1200" b="1" dirty="0" smtClean="0"/>
+              <a:t>,</a:t>
+            </a:r>
+            <a:r>
+              <a:rPr lang="ko-KR" altLang="en-US" sz="1200" b="1" dirty="0" smtClean="0"/>
+              <a:t>이름</a:t>
+            </a:r>
+            <a:r>
+              <a:rPr lang="en-US" altLang="ko-KR" sz="1200" b="1" dirty="0" smtClean="0"/>
+              <a:t>)</a:t>
+            </a:r>
+            <a:endParaRPr lang="ko-KR" altLang="en-US" sz="1200" b="1" dirty="0"/>
+          </a:p>
+        </p:txBody>
+      </p:sp>
+    </p:spTree>
+    <p:extLst>
+      <p:ext uri="{BB962C8B-B14F-4D97-AF65-F5344CB8AC3E}">
+        <p14:creationId xmlns:p14="http://schemas.microsoft.com/office/powerpoint/2010/main" val="4178164441"/>
       </p:ext>
     </p:extLst>
   </p:cSld>
